--- a/Chapter06-IntegratingABMandGIS/Chapter6_Tutorial.pptx
+++ b/Chapter06-IntegratingABMandGIS/Chapter6_Tutorial.pptx
@@ -4,8 +4,12 @@
   <p:sldMasterIdLst>
     <p:sldMasterId id="2147483648" r:id="rId1"/>
   </p:sldMasterIdLst>
+  <p:notesMasterIdLst>
+    <p:notesMasterId r:id="rId4"/>
+  </p:notesMasterIdLst>
   <p:sldIdLst>
-    <p:sldId id="256" r:id="rId2"/>
+    <p:sldId id="258" r:id="rId2"/>
+    <p:sldId id="259" r:id="rId3"/>
   </p:sldIdLst>
   <p:sldSz cx="12192000" cy="6858000"/>
   <p:notesSz cx="6858000" cy="9144000"/>
@@ -112,6 +116,463 @@
 </p:presentation>
 </file>
 
+<file path=ppt/notesMasters/notesMaster1.xml><?xml version="1.0" encoding="utf-8"?>
+<p:notesMaster xmlns:a="http://schemas.openxmlformats.org/drawingml/2006/main" xmlns:r="http://schemas.openxmlformats.org/officeDocument/2006/relationships" xmlns:p="http://schemas.openxmlformats.org/presentationml/2006/main">
+  <p:cSld>
+    <p:bg>
+      <p:bgRef idx="1001">
+        <a:schemeClr val="bg1"/>
+      </p:bgRef>
+    </p:bg>
+    <p:spTree>
+      <p:nvGrpSpPr>
+        <p:cNvPr id="1" name=""/>
+        <p:cNvGrpSpPr/>
+        <p:nvPr/>
+      </p:nvGrpSpPr>
+      <p:grpSpPr>
+        <a:xfrm>
+          <a:off x="0" y="0"/>
+          <a:ext cx="0" cy="0"/>
+          <a:chOff x="0" y="0"/>
+          <a:chExt cx="0" cy="0"/>
+        </a:xfrm>
+      </p:grpSpPr>
+      <p:sp>
+        <p:nvSpPr>
+          <p:cNvPr id="2" name="Header Placeholder 1"/>
+          <p:cNvSpPr>
+            <a:spLocks noGrp="1"/>
+          </p:cNvSpPr>
+          <p:nvPr>
+            <p:ph type="hdr" sz="quarter"/>
+          </p:nvPr>
+        </p:nvSpPr>
+        <p:spPr>
+          <a:xfrm>
+            <a:off x="0" y="0"/>
+            <a:ext cx="2971800" cy="458788"/>
+          </a:xfrm>
+          <a:prstGeom prst="rect">
+            <a:avLst/>
+          </a:prstGeom>
+        </p:spPr>
+        <p:txBody>
+          <a:bodyPr vert="horz" lIns="91440" tIns="45720" rIns="91440" bIns="45720" rtlCol="0"/>
+          <a:lstStyle>
+            <a:lvl1pPr algn="l">
+              <a:defRPr sz="1200"/>
+            </a:lvl1pPr>
+          </a:lstStyle>
+          <a:p>
+            <a:endParaRPr lang="en-GB"/>
+          </a:p>
+        </p:txBody>
+      </p:sp>
+      <p:sp>
+        <p:nvSpPr>
+          <p:cNvPr id="3" name="Date Placeholder 2"/>
+          <p:cNvSpPr>
+            <a:spLocks noGrp="1"/>
+          </p:cNvSpPr>
+          <p:nvPr>
+            <p:ph type="dt" idx="1"/>
+          </p:nvPr>
+        </p:nvSpPr>
+        <p:spPr>
+          <a:xfrm>
+            <a:off x="3884613" y="0"/>
+            <a:ext cx="2971800" cy="458788"/>
+          </a:xfrm>
+          <a:prstGeom prst="rect">
+            <a:avLst/>
+          </a:prstGeom>
+        </p:spPr>
+        <p:txBody>
+          <a:bodyPr vert="horz" lIns="91440" tIns="45720" rIns="91440" bIns="45720" rtlCol="0"/>
+          <a:lstStyle>
+            <a:lvl1pPr algn="r">
+              <a:defRPr sz="1200"/>
+            </a:lvl1pPr>
+          </a:lstStyle>
+          <a:p>
+            <a:fld id="{C48CA7CF-F6E1-694A-AE08-36DF3A0267ED}" type="datetimeFigureOut">
+              <a:rPr lang="en-GB" smtClean="0"/>
+              <a:t>10/01/2019</a:t>
+            </a:fld>
+            <a:endParaRPr lang="en-GB"/>
+          </a:p>
+        </p:txBody>
+      </p:sp>
+      <p:sp>
+        <p:nvSpPr>
+          <p:cNvPr id="4" name="Slide Image Placeholder 3"/>
+          <p:cNvSpPr>
+            <a:spLocks noGrp="1" noRot="1" noChangeAspect="1"/>
+          </p:cNvSpPr>
+          <p:nvPr>
+            <p:ph type="sldImg" idx="2"/>
+          </p:nvPr>
+        </p:nvSpPr>
+        <p:spPr>
+          <a:xfrm>
+            <a:off x="685800" y="1143000"/>
+            <a:ext cx="5486400" cy="3086100"/>
+          </a:xfrm>
+          <a:prstGeom prst="rect">
+            <a:avLst/>
+          </a:prstGeom>
+          <a:noFill/>
+          <a:ln w="12700">
+            <a:solidFill>
+              <a:prstClr val="black"/>
+            </a:solidFill>
+          </a:ln>
+        </p:spPr>
+        <p:txBody>
+          <a:bodyPr vert="horz" lIns="91440" tIns="45720" rIns="91440" bIns="45720" rtlCol="0" anchor="ctr"/>
+          <a:lstStyle/>
+          <a:p>
+            <a:endParaRPr lang="en-GB"/>
+          </a:p>
+        </p:txBody>
+      </p:sp>
+      <p:sp>
+        <p:nvSpPr>
+          <p:cNvPr id="5" name="Notes Placeholder 4"/>
+          <p:cNvSpPr>
+            <a:spLocks noGrp="1"/>
+          </p:cNvSpPr>
+          <p:nvPr>
+            <p:ph type="body" sz="quarter" idx="3"/>
+          </p:nvPr>
+        </p:nvSpPr>
+        <p:spPr>
+          <a:xfrm>
+            <a:off x="685800" y="4400550"/>
+            <a:ext cx="5486400" cy="3600450"/>
+          </a:xfrm>
+          <a:prstGeom prst="rect">
+            <a:avLst/>
+          </a:prstGeom>
+        </p:spPr>
+        <p:txBody>
+          <a:bodyPr vert="horz" lIns="91440" tIns="45720" rIns="91440" bIns="45720" rtlCol="0"/>
+          <a:lstStyle/>
+          <a:p>
+            <a:pPr lvl="0"/>
+            <a:r>
+              <a:rPr lang="en-US"/>
+              <a:t>Edit Master text styles</a:t>
+            </a:r>
+          </a:p>
+          <a:p>
+            <a:pPr lvl="1"/>
+            <a:r>
+              <a:rPr lang="en-US"/>
+              <a:t>Second level</a:t>
+            </a:r>
+          </a:p>
+          <a:p>
+            <a:pPr lvl="2"/>
+            <a:r>
+              <a:rPr lang="en-US"/>
+              <a:t>Third level</a:t>
+            </a:r>
+          </a:p>
+          <a:p>
+            <a:pPr lvl="3"/>
+            <a:r>
+              <a:rPr lang="en-US"/>
+              <a:t>Fourth level</a:t>
+            </a:r>
+          </a:p>
+          <a:p>
+            <a:pPr lvl="4"/>
+            <a:r>
+              <a:rPr lang="en-US"/>
+              <a:t>Fifth level</a:t>
+            </a:r>
+            <a:endParaRPr lang="en-GB"/>
+          </a:p>
+        </p:txBody>
+      </p:sp>
+      <p:sp>
+        <p:nvSpPr>
+          <p:cNvPr id="6" name="Footer Placeholder 5"/>
+          <p:cNvSpPr>
+            <a:spLocks noGrp="1"/>
+          </p:cNvSpPr>
+          <p:nvPr>
+            <p:ph type="ftr" sz="quarter" idx="4"/>
+          </p:nvPr>
+        </p:nvSpPr>
+        <p:spPr>
+          <a:xfrm>
+            <a:off x="0" y="8685213"/>
+            <a:ext cx="2971800" cy="458787"/>
+          </a:xfrm>
+          <a:prstGeom prst="rect">
+            <a:avLst/>
+          </a:prstGeom>
+        </p:spPr>
+        <p:txBody>
+          <a:bodyPr vert="horz" lIns="91440" tIns="45720" rIns="91440" bIns="45720" rtlCol="0" anchor="b"/>
+          <a:lstStyle>
+            <a:lvl1pPr algn="l">
+              <a:defRPr sz="1200"/>
+            </a:lvl1pPr>
+          </a:lstStyle>
+          <a:p>
+            <a:endParaRPr lang="en-GB"/>
+          </a:p>
+        </p:txBody>
+      </p:sp>
+      <p:sp>
+        <p:nvSpPr>
+          <p:cNvPr id="7" name="Slide Number Placeholder 6"/>
+          <p:cNvSpPr>
+            <a:spLocks noGrp="1"/>
+          </p:cNvSpPr>
+          <p:nvPr>
+            <p:ph type="sldNum" sz="quarter" idx="5"/>
+          </p:nvPr>
+        </p:nvSpPr>
+        <p:spPr>
+          <a:xfrm>
+            <a:off x="3884613" y="8685213"/>
+            <a:ext cx="2971800" cy="458787"/>
+          </a:xfrm>
+          <a:prstGeom prst="rect">
+            <a:avLst/>
+          </a:prstGeom>
+        </p:spPr>
+        <p:txBody>
+          <a:bodyPr vert="horz" lIns="91440" tIns="45720" rIns="91440" bIns="45720" rtlCol="0" anchor="b"/>
+          <a:lstStyle>
+            <a:lvl1pPr algn="r">
+              <a:defRPr sz="1200"/>
+            </a:lvl1pPr>
+          </a:lstStyle>
+          <a:p>
+            <a:fld id="{175BFBAE-1937-084A-BA5B-4C55D6D09018}" type="slidenum">
+              <a:rPr lang="en-GB" smtClean="0"/>
+              <a:t>‹#›</a:t>
+            </a:fld>
+            <a:endParaRPr lang="en-GB"/>
+          </a:p>
+        </p:txBody>
+      </p:sp>
+    </p:spTree>
+    <p:extLst>
+      <p:ext uri="{BB962C8B-B14F-4D97-AF65-F5344CB8AC3E}">
+        <p14:creationId xmlns:p14="http://schemas.microsoft.com/office/powerpoint/2010/main" val="329038511"/>
+      </p:ext>
+    </p:extLst>
+  </p:cSld>
+  <p:clrMap bg1="lt1" tx1="dk1" bg2="lt2" tx2="dk2" accent1="accent1" accent2="accent2" accent3="accent3" accent4="accent4" accent5="accent5" accent6="accent6" hlink="hlink" folHlink="folHlink"/>
+  <p:notesStyle>
+    <a:lvl1pPr marL="0" algn="l" defTabSz="914400" rtl="0" eaLnBrk="1" latinLnBrk="0" hangingPunct="1">
+      <a:defRPr sz="1200" kern="1200">
+        <a:solidFill>
+          <a:schemeClr val="tx1"/>
+        </a:solidFill>
+        <a:latin typeface="+mn-lt"/>
+        <a:ea typeface="+mn-ea"/>
+        <a:cs typeface="+mn-cs"/>
+      </a:defRPr>
+    </a:lvl1pPr>
+    <a:lvl2pPr marL="457200" algn="l" defTabSz="914400" rtl="0" eaLnBrk="1" latinLnBrk="0" hangingPunct="1">
+      <a:defRPr sz="1200" kern="1200">
+        <a:solidFill>
+          <a:schemeClr val="tx1"/>
+        </a:solidFill>
+        <a:latin typeface="+mn-lt"/>
+        <a:ea typeface="+mn-ea"/>
+        <a:cs typeface="+mn-cs"/>
+      </a:defRPr>
+    </a:lvl2pPr>
+    <a:lvl3pPr marL="914400" algn="l" defTabSz="914400" rtl="0" eaLnBrk="1" latinLnBrk="0" hangingPunct="1">
+      <a:defRPr sz="1200" kern="1200">
+        <a:solidFill>
+          <a:schemeClr val="tx1"/>
+        </a:solidFill>
+        <a:latin typeface="+mn-lt"/>
+        <a:ea typeface="+mn-ea"/>
+        <a:cs typeface="+mn-cs"/>
+      </a:defRPr>
+    </a:lvl3pPr>
+    <a:lvl4pPr marL="1371600" algn="l" defTabSz="914400" rtl="0" eaLnBrk="1" latinLnBrk="0" hangingPunct="1">
+      <a:defRPr sz="1200" kern="1200">
+        <a:solidFill>
+          <a:schemeClr val="tx1"/>
+        </a:solidFill>
+        <a:latin typeface="+mn-lt"/>
+        <a:ea typeface="+mn-ea"/>
+        <a:cs typeface="+mn-cs"/>
+      </a:defRPr>
+    </a:lvl4pPr>
+    <a:lvl5pPr marL="1828800" algn="l" defTabSz="914400" rtl="0" eaLnBrk="1" latinLnBrk="0" hangingPunct="1">
+      <a:defRPr sz="1200" kern="1200">
+        <a:solidFill>
+          <a:schemeClr val="tx1"/>
+        </a:solidFill>
+        <a:latin typeface="+mn-lt"/>
+        <a:ea typeface="+mn-ea"/>
+        <a:cs typeface="+mn-cs"/>
+      </a:defRPr>
+    </a:lvl5pPr>
+    <a:lvl6pPr marL="2286000" algn="l" defTabSz="914400" rtl="0" eaLnBrk="1" latinLnBrk="0" hangingPunct="1">
+      <a:defRPr sz="1200" kern="1200">
+        <a:solidFill>
+          <a:schemeClr val="tx1"/>
+        </a:solidFill>
+        <a:latin typeface="+mn-lt"/>
+        <a:ea typeface="+mn-ea"/>
+        <a:cs typeface="+mn-cs"/>
+      </a:defRPr>
+    </a:lvl6pPr>
+    <a:lvl7pPr marL="2743200" algn="l" defTabSz="914400" rtl="0" eaLnBrk="1" latinLnBrk="0" hangingPunct="1">
+      <a:defRPr sz="1200" kern="1200">
+        <a:solidFill>
+          <a:schemeClr val="tx1"/>
+        </a:solidFill>
+        <a:latin typeface="+mn-lt"/>
+        <a:ea typeface="+mn-ea"/>
+        <a:cs typeface="+mn-cs"/>
+      </a:defRPr>
+    </a:lvl7pPr>
+    <a:lvl8pPr marL="3200400" algn="l" defTabSz="914400" rtl="0" eaLnBrk="1" latinLnBrk="0" hangingPunct="1">
+      <a:defRPr sz="1200" kern="1200">
+        <a:solidFill>
+          <a:schemeClr val="tx1"/>
+        </a:solidFill>
+        <a:latin typeface="+mn-lt"/>
+        <a:ea typeface="+mn-ea"/>
+        <a:cs typeface="+mn-cs"/>
+      </a:defRPr>
+    </a:lvl8pPr>
+    <a:lvl9pPr marL="3657600" algn="l" defTabSz="914400" rtl="0" eaLnBrk="1" latinLnBrk="0" hangingPunct="1">
+      <a:defRPr sz="1200" kern="1200">
+        <a:solidFill>
+          <a:schemeClr val="tx1"/>
+        </a:solidFill>
+        <a:latin typeface="+mn-lt"/>
+        <a:ea typeface="+mn-ea"/>
+        <a:cs typeface="+mn-cs"/>
+      </a:defRPr>
+    </a:lvl9pPr>
+  </p:notesStyle>
+</p:notesMaster>
+</file>
+
+<file path=ppt/notesSlides/notesSlide1.xml><?xml version="1.0" encoding="utf-8"?>
+<p:notes xmlns:a="http://schemas.openxmlformats.org/drawingml/2006/main" xmlns:r="http://schemas.openxmlformats.org/officeDocument/2006/relationships" xmlns:p="http://schemas.openxmlformats.org/presentationml/2006/main">
+  <p:cSld>
+    <p:spTree>
+      <p:nvGrpSpPr>
+        <p:cNvPr id="1" name=""/>
+        <p:cNvGrpSpPr/>
+        <p:nvPr/>
+      </p:nvGrpSpPr>
+      <p:grpSpPr>
+        <a:xfrm>
+          <a:off x="0" y="0"/>
+          <a:ext cx="0" cy="0"/>
+          <a:chOff x="0" y="0"/>
+          <a:chExt cx="0" cy="0"/>
+        </a:xfrm>
+      </p:grpSpPr>
+      <p:sp>
+        <p:nvSpPr>
+          <p:cNvPr id="2" name="Slide Image Placeholder 1"/>
+          <p:cNvSpPr>
+            <a:spLocks noGrp="1" noRot="1" noChangeAspect="1"/>
+          </p:cNvSpPr>
+          <p:nvPr>
+            <p:ph type="sldImg"/>
+          </p:nvPr>
+        </p:nvSpPr>
+        <p:spPr/>
+      </p:sp>
+      <p:sp>
+        <p:nvSpPr>
+          <p:cNvPr id="3" name="Notes Placeholder 2"/>
+          <p:cNvSpPr>
+            <a:spLocks noGrp="1"/>
+          </p:cNvSpPr>
+          <p:nvPr>
+            <p:ph type="body" idx="1"/>
+          </p:nvPr>
+        </p:nvSpPr>
+        <p:spPr/>
+        <p:txBody>
+          <a:bodyPr/>
+          <a:lstStyle/>
+          <a:p>
+            <a:pPr marL="0" marR="0" lvl="0" indent="0" algn="l" defTabSz="914400" rtl="0" eaLnBrk="1" fontAlgn="auto" latinLnBrk="0" hangingPunct="1">
+              <a:lnSpc>
+                <a:spcPct val="100000"/>
+              </a:lnSpc>
+              <a:spcBef>
+                <a:spcPts val="0"/>
+              </a:spcBef>
+              <a:spcAft>
+                <a:spcPts val="0"/>
+              </a:spcAft>
+              <a:buClrTx/>
+              <a:buSzTx/>
+              <a:buFontTx/>
+              <a:buNone/>
+              <a:tabLst/>
+              <a:defRPr/>
+            </a:pPr>
+            <a:r>
+              <a:rPr lang="en-US" dirty="0"/>
+              <a:t>Model evaluation is one of the central challenges associated with agent-based models. A key question that all modelers face is “how well does this model simulate the phenomenon of interest?”. While there are no universally accepted methods for evaluating agent-based models, researchers often adopt the same three stage process of verification, calibration and validation. This chapter presents an overview of the methods that are commonly used within each of these stages. The overarching aim of this chapter is to provide the reader with the knowledge to design their own approach to evaluating agent-based models.</a:t>
+            </a:r>
+          </a:p>
+          <a:p>
+            <a:endParaRPr lang="en-US" dirty="0"/>
+          </a:p>
+        </p:txBody>
+      </p:sp>
+      <p:sp>
+        <p:nvSpPr>
+          <p:cNvPr id="4" name="Slide Number Placeholder 3"/>
+          <p:cNvSpPr>
+            <a:spLocks noGrp="1"/>
+          </p:cNvSpPr>
+          <p:nvPr>
+            <p:ph type="sldNum" sz="quarter" idx="10"/>
+          </p:nvPr>
+        </p:nvSpPr>
+        <p:spPr/>
+        <p:txBody>
+          <a:bodyPr/>
+          <a:lstStyle/>
+          <a:p>
+            <a:fld id="{62C0D1B9-B7E0-F54B-8D0C-8679F12BC84B}" type="slidenum">
+              <a:rPr lang="en-US" smtClean="0"/>
+              <a:t>1</a:t>
+            </a:fld>
+            <a:endParaRPr lang="en-US"/>
+          </a:p>
+        </p:txBody>
+      </p:sp>
+    </p:spTree>
+    <p:extLst>
+      <p:ext uri="{BB962C8B-B14F-4D97-AF65-F5344CB8AC3E}">
+        <p14:creationId xmlns:p14="http://schemas.microsoft.com/office/powerpoint/2010/main" val="3897965152"/>
+      </p:ext>
+    </p:extLst>
+  </p:cSld>
+  <p:clrMapOvr>
+    <a:masterClrMapping/>
+  </p:clrMapOvr>
+</p:notes>
+</file>
+
 <file path=ppt/slideLayouts/slideLayout1.xml><?xml version="1.0" encoding="utf-8"?>
 <p:sldLayout xmlns:a="http://schemas.openxmlformats.org/drawingml/2006/main" xmlns:r="http://schemas.openxmlformats.org/officeDocument/2006/relationships" xmlns:p="http://schemas.openxmlformats.org/presentationml/2006/main" type="title" preserve="1">
   <p:cSld name="Title Slide">
@@ -259,7 +720,7 @@
           <a:p>
             <a:fld id="{53326AB7-C146-8643-AC32-1D896C71A7F3}" type="datetimeFigureOut">
               <a:rPr lang="en-US" smtClean="0"/>
-              <a:t>7/16/18</a:t>
+              <a:t>1/10/19</a:t>
             </a:fld>
             <a:endParaRPr lang="en-US"/>
           </a:p>
@@ -457,7 +918,7 @@
           <a:p>
             <a:fld id="{53326AB7-C146-8643-AC32-1D896C71A7F3}" type="datetimeFigureOut">
               <a:rPr lang="en-US" smtClean="0"/>
-              <a:t>7/16/18</a:t>
+              <a:t>1/10/19</a:t>
             </a:fld>
             <a:endParaRPr lang="en-US"/>
           </a:p>
@@ -665,7 +1126,7 @@
           <a:p>
             <a:fld id="{53326AB7-C146-8643-AC32-1D896C71A7F3}" type="datetimeFigureOut">
               <a:rPr lang="en-US" smtClean="0"/>
-              <a:t>7/16/18</a:t>
+              <a:t>1/10/19</a:t>
             </a:fld>
             <a:endParaRPr lang="en-US"/>
           </a:p>
@@ -863,7 +1324,7 @@
           <a:p>
             <a:fld id="{53326AB7-C146-8643-AC32-1D896C71A7F3}" type="datetimeFigureOut">
               <a:rPr lang="en-US" smtClean="0"/>
-              <a:t>7/16/18</a:t>
+              <a:t>1/10/19</a:t>
             </a:fld>
             <a:endParaRPr lang="en-US"/>
           </a:p>
@@ -1138,7 +1599,7 @@
           <a:p>
             <a:fld id="{53326AB7-C146-8643-AC32-1D896C71A7F3}" type="datetimeFigureOut">
               <a:rPr lang="en-US" smtClean="0"/>
-              <a:t>7/16/18</a:t>
+              <a:t>1/10/19</a:t>
             </a:fld>
             <a:endParaRPr lang="en-US"/>
           </a:p>
@@ -1403,7 +1864,7 @@
           <a:p>
             <a:fld id="{53326AB7-C146-8643-AC32-1D896C71A7F3}" type="datetimeFigureOut">
               <a:rPr lang="en-US" smtClean="0"/>
-              <a:t>7/16/18</a:t>
+              <a:t>1/10/19</a:t>
             </a:fld>
             <a:endParaRPr lang="en-US"/>
           </a:p>
@@ -1815,7 +2276,7 @@
           <a:p>
             <a:fld id="{53326AB7-C146-8643-AC32-1D896C71A7F3}" type="datetimeFigureOut">
               <a:rPr lang="en-US" smtClean="0"/>
-              <a:t>7/16/18</a:t>
+              <a:t>1/10/19</a:t>
             </a:fld>
             <a:endParaRPr lang="en-US"/>
           </a:p>
@@ -1956,7 +2417,7 @@
           <a:p>
             <a:fld id="{53326AB7-C146-8643-AC32-1D896C71A7F3}" type="datetimeFigureOut">
               <a:rPr lang="en-US" smtClean="0"/>
-              <a:t>7/16/18</a:t>
+              <a:t>1/10/19</a:t>
             </a:fld>
             <a:endParaRPr lang="en-US"/>
           </a:p>
@@ -2069,7 +2530,7 @@
           <a:p>
             <a:fld id="{53326AB7-C146-8643-AC32-1D896C71A7F3}" type="datetimeFigureOut">
               <a:rPr lang="en-US" smtClean="0"/>
-              <a:t>7/16/18</a:t>
+              <a:t>1/10/19</a:t>
             </a:fld>
             <a:endParaRPr lang="en-US"/>
           </a:p>
@@ -2380,7 +2841,7 @@
           <a:p>
             <a:fld id="{53326AB7-C146-8643-AC32-1D896C71A7F3}" type="datetimeFigureOut">
               <a:rPr lang="en-US" smtClean="0"/>
-              <a:t>7/16/18</a:t>
+              <a:t>1/10/19</a:t>
             </a:fld>
             <a:endParaRPr lang="en-US"/>
           </a:p>
@@ -2668,7 +3129,7 @@
           <a:p>
             <a:fld id="{53326AB7-C146-8643-AC32-1D896C71A7F3}" type="datetimeFigureOut">
               <a:rPr lang="en-US" smtClean="0"/>
-              <a:t>7/16/18</a:t>
+              <a:t>1/10/19</a:t>
             </a:fld>
             <a:endParaRPr lang="en-US"/>
           </a:p>
@@ -2909,7 +3370,7 @@
           <a:p>
             <a:fld id="{53326AB7-C146-8643-AC32-1D896C71A7F3}" type="datetimeFigureOut">
               <a:rPr lang="en-US" smtClean="0"/>
-              <a:t>7/16/18</a:t>
+              <a:t>1/10/19</a:t>
             </a:fld>
             <a:endParaRPr lang="en-US"/>
           </a:p>
@@ -3312,6 +3773,14 @@
 <file path=ppt/slides/slide1.xml><?xml version="1.0" encoding="utf-8"?>
 <p:sld xmlns:a="http://schemas.openxmlformats.org/drawingml/2006/main" xmlns:r="http://schemas.openxmlformats.org/officeDocument/2006/relationships" xmlns:p="http://schemas.openxmlformats.org/presentationml/2006/main">
   <p:cSld>
+    <p:bg>
+      <p:bgPr>
+        <a:solidFill>
+          <a:schemeClr val="tx1"/>
+        </a:solidFill>
+        <a:effectLst/>
+      </p:bgPr>
+    </p:bg>
     <p:spTree>
       <p:nvGrpSpPr>
         <p:cNvPr id="1" name=""/>
@@ -3326,6 +3795,35 @@
           <a:chExt cx="0" cy="0"/>
         </a:xfrm>
       </p:grpSpPr>
+      <p:pic>
+        <p:nvPicPr>
+          <p:cNvPr id="4" name="Picture 3">
+            <a:extLst>
+              <a:ext uri="{FF2B5EF4-FFF2-40B4-BE49-F238E27FC236}">
+                <a16:creationId xmlns:a16="http://schemas.microsoft.com/office/drawing/2014/main" id="{304B8958-18D9-FC43-9FD7-FFC19E3EA19A}"/>
+              </a:ext>
+            </a:extLst>
+          </p:cNvPr>
+          <p:cNvPicPr>
+            <a:picLocks noChangeAspect="1"/>
+          </p:cNvPicPr>
+          <p:nvPr/>
+        </p:nvPicPr>
+        <p:blipFill rotWithShape="1">
+          <a:blip r:embed="rId3"/>
+          <a:srcRect r="3747"/>
+          <a:stretch/>
+        </p:blipFill>
+        <p:spPr>
+          <a:xfrm>
+            <a:off x="20" y="10"/>
+            <a:ext cx="4637226" cy="6857990"/>
+          </a:xfrm>
+          <a:prstGeom prst="rect">
+            <a:avLst/>
+          </a:prstGeom>
+        </p:spPr>
+      </p:pic>
       <p:sp>
         <p:nvSpPr>
           <p:cNvPr id="2" name="Title 1">
@@ -3342,14 +3840,26 @@
             <p:ph type="ctrTitle"/>
           </p:nvPr>
         </p:nvSpPr>
-        <p:spPr/>
-        <p:txBody>
-          <a:bodyPr/>
-          <a:lstStyle/>
-          <a:p>
-            <a:r>
-              <a:rPr lang="en-US" dirty="0"/>
-              <a:t>Chapter 3</a:t>
+        <p:spPr>
+          <a:xfrm>
+            <a:off x="5277328" y="640082"/>
+            <a:ext cx="6274591" cy="3351602"/>
+          </a:xfrm>
+        </p:spPr>
+        <p:txBody>
+          <a:bodyPr>
+            <a:normAutofit/>
+          </a:bodyPr>
+          <a:lstStyle/>
+          <a:p>
+            <a:pPr algn="l"/>
+            <a:r>
+              <a:rPr lang="en-US" dirty="0">
+                <a:solidFill>
+                  <a:schemeClr val="bg1"/>
+                </a:solidFill>
+              </a:rPr>
+              <a:t>Chapter 6 Tutorial</a:t>
             </a:r>
           </a:p>
         </p:txBody>
@@ -3370,20 +3880,26 @@
             <p:ph type="subTitle" idx="1"/>
           </p:nvPr>
         </p:nvSpPr>
-        <p:spPr/>
-        <p:txBody>
-          <a:bodyPr/>
-          <a:lstStyle/>
-          <a:p>
-            <a:r>
-              <a:rPr lang="en-US" dirty="0"/>
-              <a:t>Designing and Developing an Agent-based</a:t>
-            </a:r>
-          </a:p>
-          <a:p>
-            <a:r>
-              <a:rPr lang="en-US" dirty="0"/>
-              <a:t>Model</a:t>
+        <p:spPr>
+          <a:xfrm>
+            <a:off x="5277327" y="4156276"/>
+            <a:ext cx="6274592" cy="2061645"/>
+          </a:xfrm>
+        </p:spPr>
+        <p:txBody>
+          <a:bodyPr>
+            <a:normAutofit/>
+          </a:bodyPr>
+          <a:lstStyle/>
+          <a:p>
+            <a:pPr algn="l"/>
+            <a:r>
+              <a:rPr lang="en-US" dirty="0">
+                <a:solidFill>
+                  <a:schemeClr val="bg1"/>
+                </a:solidFill>
+              </a:rPr>
+              <a:t>Integrating Agent-Based Models and GIS</a:t>
             </a:r>
           </a:p>
         </p:txBody>
@@ -3391,7 +3907,87 @@
     </p:spTree>
     <p:extLst>
       <p:ext uri="{BB962C8B-B14F-4D97-AF65-F5344CB8AC3E}">
-        <p14:creationId xmlns:p14="http://schemas.microsoft.com/office/powerpoint/2010/main" val="27190754"/>
+        <p14:creationId xmlns:p14="http://schemas.microsoft.com/office/powerpoint/2010/main" val="595179698"/>
+      </p:ext>
+    </p:extLst>
+  </p:cSld>
+  <p:clrMapOvr>
+    <a:masterClrMapping/>
+  </p:clrMapOvr>
+</p:sld>
+</file>
+
+<file path=ppt/slides/slide2.xml><?xml version="1.0" encoding="utf-8"?>
+<p:sld xmlns:a="http://schemas.openxmlformats.org/drawingml/2006/main" xmlns:r="http://schemas.openxmlformats.org/officeDocument/2006/relationships" xmlns:p="http://schemas.openxmlformats.org/presentationml/2006/main">
+  <p:cSld>
+    <p:spTree>
+      <p:nvGrpSpPr>
+        <p:cNvPr id="1" name=""/>
+        <p:cNvGrpSpPr/>
+        <p:nvPr/>
+      </p:nvGrpSpPr>
+      <p:grpSpPr>
+        <a:xfrm>
+          <a:off x="0" y="0"/>
+          <a:ext cx="0" cy="0"/>
+          <a:chOff x="0" y="0"/>
+          <a:chExt cx="0" cy="0"/>
+        </a:xfrm>
+      </p:grpSpPr>
+      <p:sp>
+        <p:nvSpPr>
+          <p:cNvPr id="2" name="Title 1">
+            <a:extLst>
+              <a:ext uri="{FF2B5EF4-FFF2-40B4-BE49-F238E27FC236}">
+                <a16:creationId xmlns:a16="http://schemas.microsoft.com/office/drawing/2014/main" id="{0C95B676-44AA-114E-8F58-EA5C3977155F}"/>
+              </a:ext>
+            </a:extLst>
+          </p:cNvPr>
+          <p:cNvSpPr>
+            <a:spLocks noGrp="1"/>
+          </p:cNvSpPr>
+          <p:nvPr>
+            <p:ph type="title"/>
+          </p:nvPr>
+        </p:nvSpPr>
+        <p:spPr/>
+        <p:txBody>
+          <a:bodyPr/>
+          <a:lstStyle/>
+          <a:p>
+            <a:endParaRPr lang="en-GB"/>
+          </a:p>
+        </p:txBody>
+      </p:sp>
+      <p:sp>
+        <p:nvSpPr>
+          <p:cNvPr id="3" name="Content Placeholder 2">
+            <a:extLst>
+              <a:ext uri="{FF2B5EF4-FFF2-40B4-BE49-F238E27FC236}">
+                <a16:creationId xmlns:a16="http://schemas.microsoft.com/office/drawing/2014/main" id="{E17370AD-0F2E-7B4F-9A63-AEC310B7AB62}"/>
+              </a:ext>
+            </a:extLst>
+          </p:cNvPr>
+          <p:cNvSpPr>
+            <a:spLocks noGrp="1"/>
+          </p:cNvSpPr>
+          <p:nvPr>
+            <p:ph idx="1"/>
+          </p:nvPr>
+        </p:nvSpPr>
+        <p:spPr/>
+        <p:txBody>
+          <a:bodyPr/>
+          <a:lstStyle/>
+          <a:p>
+            <a:endParaRPr lang="en-GB"/>
+          </a:p>
+        </p:txBody>
+      </p:sp>
+    </p:spTree>
+    <p:extLst>
+      <p:ext uri="{BB962C8B-B14F-4D97-AF65-F5344CB8AC3E}">
+        <p14:creationId xmlns:p14="http://schemas.microsoft.com/office/powerpoint/2010/main" val="508559530"/>
       </p:ext>
     </p:extLst>
   </p:cSld>
@@ -3694,4 +4290,299 @@
     </a:ext>
   </a:extLst>
 </a:theme>
+</file>
+
+<file path=ppt/theme/theme2.xml><?xml version="1.0" encoding="utf-8"?>
+<a:theme xmlns:a="http://schemas.openxmlformats.org/drawingml/2006/main" name="Office Theme">
+  <a:themeElements>
+    <a:clrScheme name="Office">
+      <a:dk1>
+        <a:sysClr val="windowText" lastClr="000000"/>
+      </a:dk1>
+      <a:lt1>
+        <a:sysClr val="window" lastClr="FFFFFF"/>
+      </a:lt1>
+      <a:dk2>
+        <a:srgbClr val="44546A"/>
+      </a:dk2>
+      <a:lt2>
+        <a:srgbClr val="E7E6E6"/>
+      </a:lt2>
+      <a:accent1>
+        <a:srgbClr val="4472C4"/>
+      </a:accent1>
+      <a:accent2>
+        <a:srgbClr val="ED7D31"/>
+      </a:accent2>
+      <a:accent3>
+        <a:srgbClr val="A5A5A5"/>
+      </a:accent3>
+      <a:accent4>
+        <a:srgbClr val="FFC000"/>
+      </a:accent4>
+      <a:accent5>
+        <a:srgbClr val="5B9BD5"/>
+      </a:accent5>
+      <a:accent6>
+        <a:srgbClr val="70AD47"/>
+      </a:accent6>
+      <a:hlink>
+        <a:srgbClr val="0563C1"/>
+      </a:hlink>
+      <a:folHlink>
+        <a:srgbClr val="954F72"/>
+      </a:folHlink>
+    </a:clrScheme>
+    <a:fontScheme name="Office">
+      <a:majorFont>
+        <a:latin typeface="Calibri Light" panose="020F0302020204030204"/>
+        <a:ea typeface=""/>
+        <a:cs typeface=""/>
+        <a:font script="Jpan" typeface="游ゴシック Light"/>
+        <a:font script="Hang" typeface="맑은 고딕"/>
+        <a:font script="Hans" typeface="等线 Light"/>
+        <a:font script="Hant" typeface="新細明體"/>
+        <a:font script="Arab" typeface="Times New Roman"/>
+        <a:font script="Hebr" typeface="Times New Roman"/>
+        <a:font script="Thai" typeface="Angsana New"/>
+        <a:font script="Ethi" typeface="Nyala"/>
+        <a:font script="Beng" typeface="Vrinda"/>
+        <a:font script="Gujr" typeface="Shruti"/>
+        <a:font script="Khmr" typeface="MoolBoran"/>
+        <a:font script="Knda" typeface="Tunga"/>
+        <a:font script="Guru" typeface="Raavi"/>
+        <a:font script="Cans" typeface="Euphemia"/>
+        <a:font script="Cher" typeface="Plantagenet Cherokee"/>
+        <a:font script="Yiii" typeface="Microsoft Yi Baiti"/>
+        <a:font script="Tibt" typeface="Microsoft Himalaya"/>
+        <a:font script="Thaa" typeface="MV Boli"/>
+        <a:font script="Deva" typeface="Mangal"/>
+        <a:font script="Telu" typeface="Gautami"/>
+        <a:font script="Taml" typeface="Latha"/>
+        <a:font script="Syrc" typeface="Estrangelo Edessa"/>
+        <a:font script="Orya" typeface="Kalinga"/>
+        <a:font script="Mlym" typeface="Kartika"/>
+        <a:font script="Laoo" typeface="DokChampa"/>
+        <a:font script="Sinh" typeface="Iskoola Pota"/>
+        <a:font script="Mong" typeface="Mongolian Baiti"/>
+        <a:font script="Viet" typeface="Times New Roman"/>
+        <a:font script="Uigh" typeface="Microsoft Uighur"/>
+        <a:font script="Geor" typeface="Sylfaen"/>
+        <a:font script="Armn" typeface="Arial"/>
+        <a:font script="Bugi" typeface="Leelawadee UI"/>
+        <a:font script="Bopo" typeface="Microsoft JhengHei"/>
+        <a:font script="Java" typeface="Javanese Text"/>
+        <a:font script="Lisu" typeface="Segoe UI"/>
+        <a:font script="Mymr" typeface="Myanmar Text"/>
+        <a:font script="Nkoo" typeface="Ebrima"/>
+        <a:font script="Olck" typeface="Nirmala UI"/>
+        <a:font script="Osma" typeface="Ebrima"/>
+        <a:font script="Phag" typeface="Phagspa"/>
+        <a:font script="Syrn" typeface="Estrangelo Edessa"/>
+        <a:font script="Syrj" typeface="Estrangelo Edessa"/>
+        <a:font script="Syre" typeface="Estrangelo Edessa"/>
+        <a:font script="Sora" typeface="Nirmala UI"/>
+        <a:font script="Tale" typeface="Microsoft Tai Le"/>
+        <a:font script="Talu" typeface="Microsoft New Tai Lue"/>
+        <a:font script="Tfng" typeface="Ebrima"/>
+      </a:majorFont>
+      <a:minorFont>
+        <a:latin typeface="Calibri" panose="020F0502020204030204"/>
+        <a:ea typeface=""/>
+        <a:cs typeface=""/>
+        <a:font script="Jpan" typeface="游ゴシック"/>
+        <a:font script="Hang" typeface="맑은 고딕"/>
+        <a:font script="Hans" typeface="等线"/>
+        <a:font script="Hant" typeface="新細明體"/>
+        <a:font script="Arab" typeface="Arial"/>
+        <a:font script="Hebr" typeface="Arial"/>
+        <a:font script="Thai" typeface="Cordia New"/>
+        <a:font script="Ethi" typeface="Nyala"/>
+        <a:font script="Beng" typeface="Vrinda"/>
+        <a:font script="Gujr" typeface="Shruti"/>
+        <a:font script="Khmr" typeface="DaunPenh"/>
+        <a:font script="Knda" typeface="Tunga"/>
+        <a:font script="Guru" typeface="Raavi"/>
+        <a:font script="Cans" typeface="Euphemia"/>
+        <a:font script="Cher" typeface="Plantagenet Cherokee"/>
+        <a:font script="Yiii" typeface="Microsoft Yi Baiti"/>
+        <a:font script="Tibt" typeface="Microsoft Himalaya"/>
+        <a:font script="Thaa" typeface="MV Boli"/>
+        <a:font script="Deva" typeface="Mangal"/>
+        <a:font script="Telu" typeface="Gautami"/>
+        <a:font script="Taml" typeface="Latha"/>
+        <a:font script="Syrc" typeface="Estrangelo Edessa"/>
+        <a:font script="Orya" typeface="Kalinga"/>
+        <a:font script="Mlym" typeface="Kartika"/>
+        <a:font script="Laoo" typeface="DokChampa"/>
+        <a:font script="Sinh" typeface="Iskoola Pota"/>
+        <a:font script="Mong" typeface="Mongolian Baiti"/>
+        <a:font script="Viet" typeface="Arial"/>
+        <a:font script="Uigh" typeface="Microsoft Uighur"/>
+        <a:font script="Geor" typeface="Sylfaen"/>
+        <a:font script="Armn" typeface="Arial"/>
+        <a:font script="Bugi" typeface="Leelawadee UI"/>
+        <a:font script="Bopo" typeface="Microsoft JhengHei"/>
+        <a:font script="Java" typeface="Javanese Text"/>
+        <a:font script="Lisu" typeface="Segoe UI"/>
+        <a:font script="Mymr" typeface="Myanmar Text"/>
+        <a:font script="Nkoo" typeface="Ebrima"/>
+        <a:font script="Olck" typeface="Nirmala UI"/>
+        <a:font script="Osma" typeface="Ebrima"/>
+        <a:font script="Phag" typeface="Phagspa"/>
+        <a:font script="Syrn" typeface="Estrangelo Edessa"/>
+        <a:font script="Syrj" typeface="Estrangelo Edessa"/>
+        <a:font script="Syre" typeface="Estrangelo Edessa"/>
+        <a:font script="Sora" typeface="Nirmala UI"/>
+        <a:font script="Tale" typeface="Microsoft Tai Le"/>
+        <a:font script="Talu" typeface="Microsoft New Tai Lue"/>
+        <a:font script="Tfng" typeface="Ebrima"/>
+      </a:minorFont>
+    </a:fontScheme>
+    <a:fmtScheme name="Office">
+      <a:fillStyleLst>
+        <a:solidFill>
+          <a:schemeClr val="phClr"/>
+        </a:solidFill>
+        <a:gradFill rotWithShape="1">
+          <a:gsLst>
+            <a:gs pos="0">
+              <a:schemeClr val="phClr">
+                <a:lumMod val="110000"/>
+                <a:satMod val="105000"/>
+                <a:tint val="67000"/>
+              </a:schemeClr>
+            </a:gs>
+            <a:gs pos="50000">
+              <a:schemeClr val="phClr">
+                <a:lumMod val="105000"/>
+                <a:satMod val="103000"/>
+                <a:tint val="73000"/>
+              </a:schemeClr>
+            </a:gs>
+            <a:gs pos="100000">
+              <a:schemeClr val="phClr">
+                <a:lumMod val="105000"/>
+                <a:satMod val="109000"/>
+                <a:tint val="81000"/>
+              </a:schemeClr>
+            </a:gs>
+          </a:gsLst>
+          <a:lin ang="5400000" scaled="0"/>
+        </a:gradFill>
+        <a:gradFill rotWithShape="1">
+          <a:gsLst>
+            <a:gs pos="0">
+              <a:schemeClr val="phClr">
+                <a:satMod val="103000"/>
+                <a:lumMod val="102000"/>
+                <a:tint val="94000"/>
+              </a:schemeClr>
+            </a:gs>
+            <a:gs pos="50000">
+              <a:schemeClr val="phClr">
+                <a:satMod val="110000"/>
+                <a:lumMod val="100000"/>
+                <a:shade val="100000"/>
+              </a:schemeClr>
+            </a:gs>
+            <a:gs pos="100000">
+              <a:schemeClr val="phClr">
+                <a:lumMod val="99000"/>
+                <a:satMod val="120000"/>
+                <a:shade val="78000"/>
+              </a:schemeClr>
+            </a:gs>
+          </a:gsLst>
+          <a:lin ang="5400000" scaled="0"/>
+        </a:gradFill>
+      </a:fillStyleLst>
+      <a:lnStyleLst>
+        <a:ln w="6350" cap="flat" cmpd="sng" algn="ctr">
+          <a:solidFill>
+            <a:schemeClr val="phClr"/>
+          </a:solidFill>
+          <a:prstDash val="solid"/>
+          <a:miter lim="800000"/>
+        </a:ln>
+        <a:ln w="12700" cap="flat" cmpd="sng" algn="ctr">
+          <a:solidFill>
+            <a:schemeClr val="phClr"/>
+          </a:solidFill>
+          <a:prstDash val="solid"/>
+          <a:miter lim="800000"/>
+        </a:ln>
+        <a:ln w="19050" cap="flat" cmpd="sng" algn="ctr">
+          <a:solidFill>
+            <a:schemeClr val="phClr"/>
+          </a:solidFill>
+          <a:prstDash val="solid"/>
+          <a:miter lim="800000"/>
+        </a:ln>
+      </a:lnStyleLst>
+      <a:effectStyleLst>
+        <a:effectStyle>
+          <a:effectLst/>
+        </a:effectStyle>
+        <a:effectStyle>
+          <a:effectLst/>
+        </a:effectStyle>
+        <a:effectStyle>
+          <a:effectLst>
+            <a:outerShdw blurRad="57150" dist="19050" dir="5400000" algn="ctr" rotWithShape="0">
+              <a:srgbClr val="000000">
+                <a:alpha val="63000"/>
+              </a:srgbClr>
+            </a:outerShdw>
+          </a:effectLst>
+        </a:effectStyle>
+      </a:effectStyleLst>
+      <a:bgFillStyleLst>
+        <a:solidFill>
+          <a:schemeClr val="phClr"/>
+        </a:solidFill>
+        <a:solidFill>
+          <a:schemeClr val="phClr">
+            <a:tint val="95000"/>
+            <a:satMod val="170000"/>
+          </a:schemeClr>
+        </a:solidFill>
+        <a:gradFill rotWithShape="1">
+          <a:gsLst>
+            <a:gs pos="0">
+              <a:schemeClr val="phClr">
+                <a:tint val="93000"/>
+                <a:satMod val="150000"/>
+                <a:shade val="98000"/>
+                <a:lumMod val="102000"/>
+              </a:schemeClr>
+            </a:gs>
+            <a:gs pos="50000">
+              <a:schemeClr val="phClr">
+                <a:tint val="98000"/>
+                <a:satMod val="130000"/>
+                <a:shade val="90000"/>
+                <a:lumMod val="103000"/>
+              </a:schemeClr>
+            </a:gs>
+            <a:gs pos="100000">
+              <a:schemeClr val="phClr">
+                <a:shade val="63000"/>
+                <a:satMod val="120000"/>
+              </a:schemeClr>
+            </a:gs>
+          </a:gsLst>
+          <a:lin ang="5400000" scaled="0"/>
+        </a:gradFill>
+      </a:bgFillStyleLst>
+    </a:fmtScheme>
+  </a:themeElements>
+  <a:objectDefaults/>
+  <a:extraClrSchemeLst/>
+  <a:extLst>
+    <a:ext uri="{05A4C25C-085E-4340-85A3-A5531E510DB2}">
+      <thm15:themeFamily xmlns:thm15="http://schemas.microsoft.com/office/thememl/2012/main" name="Office Theme" id="{62F939B6-93AF-4DB8-9C6B-D6C7DFDC589F}" vid="{4A3C46E8-61CC-4603-A589-7422A47A8E4A}"/>
+    </a:ext>
+  </a:extLst>
+</a:theme>
 </file>
--- a/Chapter06-IntegratingABMandGIS/Chapter6_Tutorial.pptx
+++ b/Chapter06-IntegratingABMandGIS/Chapter6_Tutorial.pptx
@@ -5,11 +5,18 @@
     <p:sldMasterId id="2147483648" r:id="rId1"/>
   </p:sldMasterIdLst>
   <p:notesMasterIdLst>
-    <p:notesMasterId r:id="rId4"/>
+    <p:notesMasterId r:id="rId11"/>
   </p:notesMasterIdLst>
   <p:sldIdLst>
     <p:sldId id="258" r:id="rId2"/>
     <p:sldId id="259" r:id="rId3"/>
+    <p:sldId id="260" r:id="rId4"/>
+    <p:sldId id="298" r:id="rId5"/>
+    <p:sldId id="299" r:id="rId6"/>
+    <p:sldId id="300" r:id="rId7"/>
+    <p:sldId id="301" r:id="rId8"/>
+    <p:sldId id="302" r:id="rId9"/>
+    <p:sldId id="303" r:id="rId10"/>
   </p:sldIdLst>
   <p:sldSz cx="12192000" cy="6858000"/>
   <p:notesSz cx="6858000" cy="9144000"/>
@@ -198,7 +205,7 @@
           <a:p>
             <a:fld id="{C48CA7CF-F6E1-694A-AE08-36DF3A0267ED}" type="datetimeFigureOut">
               <a:rPr lang="en-GB" smtClean="0"/>
-              <a:t>10/01/2019</a:t>
+              <a:t>26/01/2020</a:t>
             </a:fld>
             <a:endParaRPr lang="en-GB"/>
           </a:p>
@@ -573,6 +580,90 @@
 </p:notes>
 </file>
 
+<file path=ppt/notesSlides/notesSlide2.xml><?xml version="1.0" encoding="utf-8"?>
+<p:notes xmlns:a="http://schemas.openxmlformats.org/drawingml/2006/main" xmlns:r="http://schemas.openxmlformats.org/officeDocument/2006/relationships" xmlns:p="http://schemas.openxmlformats.org/presentationml/2006/main">
+  <p:cSld>
+    <p:spTree>
+      <p:nvGrpSpPr>
+        <p:cNvPr id="1" name=""/>
+        <p:cNvGrpSpPr/>
+        <p:nvPr/>
+      </p:nvGrpSpPr>
+      <p:grpSpPr>
+        <a:xfrm>
+          <a:off x="0" y="0"/>
+          <a:ext cx="0" cy="0"/>
+          <a:chOff x="0" y="0"/>
+          <a:chExt cx="0" cy="0"/>
+        </a:xfrm>
+      </p:grpSpPr>
+      <p:sp>
+        <p:nvSpPr>
+          <p:cNvPr id="2" name="Slide Image Placeholder 1"/>
+          <p:cNvSpPr>
+            <a:spLocks noGrp="1" noRot="1" noChangeAspect="1"/>
+          </p:cNvSpPr>
+          <p:nvPr>
+            <p:ph type="sldImg"/>
+          </p:nvPr>
+        </p:nvSpPr>
+        <p:spPr/>
+      </p:sp>
+      <p:sp>
+        <p:nvSpPr>
+          <p:cNvPr id="3" name="Notes Placeholder 2"/>
+          <p:cNvSpPr>
+            <a:spLocks noGrp="1"/>
+          </p:cNvSpPr>
+          <p:nvPr>
+            <p:ph type="body" idx="1"/>
+          </p:nvPr>
+        </p:nvSpPr>
+        <p:spPr/>
+        <p:txBody>
+          <a:bodyPr/>
+          <a:lstStyle/>
+          <a:p>
+            <a:endParaRPr lang="en-US" dirty="0"/>
+          </a:p>
+        </p:txBody>
+      </p:sp>
+      <p:sp>
+        <p:nvSpPr>
+          <p:cNvPr id="4" name="Slide Number Placeholder 3"/>
+          <p:cNvSpPr>
+            <a:spLocks noGrp="1"/>
+          </p:cNvSpPr>
+          <p:nvPr>
+            <p:ph type="sldNum" sz="quarter" idx="5"/>
+          </p:nvPr>
+        </p:nvSpPr>
+        <p:spPr/>
+        <p:txBody>
+          <a:bodyPr/>
+          <a:lstStyle/>
+          <a:p>
+            <a:fld id="{2689396A-BC3D-F64E-AE0F-11F65C472FC4}" type="slidenum">
+              <a:rPr lang="en-US" smtClean="0"/>
+              <a:t>4</a:t>
+            </a:fld>
+            <a:endParaRPr lang="en-US"/>
+          </a:p>
+        </p:txBody>
+      </p:sp>
+    </p:spTree>
+    <p:extLst>
+      <p:ext uri="{BB962C8B-B14F-4D97-AF65-F5344CB8AC3E}">
+        <p14:creationId xmlns:p14="http://schemas.microsoft.com/office/powerpoint/2010/main" val="3341693470"/>
+      </p:ext>
+    </p:extLst>
+  </p:cSld>
+  <p:clrMapOvr>
+    <a:masterClrMapping/>
+  </p:clrMapOvr>
+</p:notes>
+</file>
+
 <file path=ppt/slideLayouts/slideLayout1.xml><?xml version="1.0" encoding="utf-8"?>
 <p:sldLayout xmlns:a="http://schemas.openxmlformats.org/drawingml/2006/main" xmlns:r="http://schemas.openxmlformats.org/officeDocument/2006/relationships" xmlns:p="http://schemas.openxmlformats.org/presentationml/2006/main" type="title" preserve="1">
   <p:cSld name="Title Slide">
@@ -720,7 +811,7 @@
           <a:p>
             <a:fld id="{53326AB7-C146-8643-AC32-1D896C71A7F3}" type="datetimeFigureOut">
               <a:rPr lang="en-US" smtClean="0"/>
-              <a:t>1/10/19</a:t>
+              <a:t>1/26/20</a:t>
             </a:fld>
             <a:endParaRPr lang="en-US"/>
           </a:p>
@@ -918,7 +1009,7 @@
           <a:p>
             <a:fld id="{53326AB7-C146-8643-AC32-1D896C71A7F3}" type="datetimeFigureOut">
               <a:rPr lang="en-US" smtClean="0"/>
-              <a:t>1/10/19</a:t>
+              <a:t>1/26/20</a:t>
             </a:fld>
             <a:endParaRPr lang="en-US"/>
           </a:p>
@@ -1126,7 +1217,7 @@
           <a:p>
             <a:fld id="{53326AB7-C146-8643-AC32-1D896C71A7F3}" type="datetimeFigureOut">
               <a:rPr lang="en-US" smtClean="0"/>
-              <a:t>1/10/19</a:t>
+              <a:t>1/26/20</a:t>
             </a:fld>
             <a:endParaRPr lang="en-US"/>
           </a:p>
@@ -1324,7 +1415,7 @@
           <a:p>
             <a:fld id="{53326AB7-C146-8643-AC32-1D896C71A7F3}" type="datetimeFigureOut">
               <a:rPr lang="en-US" smtClean="0"/>
-              <a:t>1/10/19</a:t>
+              <a:t>1/26/20</a:t>
             </a:fld>
             <a:endParaRPr lang="en-US"/>
           </a:p>
@@ -1599,7 +1690,7 @@
           <a:p>
             <a:fld id="{53326AB7-C146-8643-AC32-1D896C71A7F3}" type="datetimeFigureOut">
               <a:rPr lang="en-US" smtClean="0"/>
-              <a:t>1/10/19</a:t>
+              <a:t>1/26/20</a:t>
             </a:fld>
             <a:endParaRPr lang="en-US"/>
           </a:p>
@@ -1864,7 +1955,7 @@
           <a:p>
             <a:fld id="{53326AB7-C146-8643-AC32-1D896C71A7F3}" type="datetimeFigureOut">
               <a:rPr lang="en-US" smtClean="0"/>
-              <a:t>1/10/19</a:t>
+              <a:t>1/26/20</a:t>
             </a:fld>
             <a:endParaRPr lang="en-US"/>
           </a:p>
@@ -2276,7 +2367,7 @@
           <a:p>
             <a:fld id="{53326AB7-C146-8643-AC32-1D896C71A7F3}" type="datetimeFigureOut">
               <a:rPr lang="en-US" smtClean="0"/>
-              <a:t>1/10/19</a:t>
+              <a:t>1/26/20</a:t>
             </a:fld>
             <a:endParaRPr lang="en-US"/>
           </a:p>
@@ -2417,7 +2508,7 @@
           <a:p>
             <a:fld id="{53326AB7-C146-8643-AC32-1D896C71A7F3}" type="datetimeFigureOut">
               <a:rPr lang="en-US" smtClean="0"/>
-              <a:t>1/10/19</a:t>
+              <a:t>1/26/20</a:t>
             </a:fld>
             <a:endParaRPr lang="en-US"/>
           </a:p>
@@ -2530,7 +2621,7 @@
           <a:p>
             <a:fld id="{53326AB7-C146-8643-AC32-1D896C71A7F3}" type="datetimeFigureOut">
               <a:rPr lang="en-US" smtClean="0"/>
-              <a:t>1/10/19</a:t>
+              <a:t>1/26/20</a:t>
             </a:fld>
             <a:endParaRPr lang="en-US"/>
           </a:p>
@@ -2841,7 +2932,7 @@
           <a:p>
             <a:fld id="{53326AB7-C146-8643-AC32-1D896C71A7F3}" type="datetimeFigureOut">
               <a:rPr lang="en-US" smtClean="0"/>
-              <a:t>1/10/19</a:t>
+              <a:t>1/26/20</a:t>
             </a:fld>
             <a:endParaRPr lang="en-US"/>
           </a:p>
@@ -3129,7 +3220,7 @@
           <a:p>
             <a:fld id="{53326AB7-C146-8643-AC32-1D896C71A7F3}" type="datetimeFigureOut">
               <a:rPr lang="en-US" smtClean="0"/>
-              <a:t>1/10/19</a:t>
+              <a:t>1/26/20</a:t>
             </a:fld>
             <a:endParaRPr lang="en-US"/>
           </a:p>
@@ -3370,7 +3461,7 @@
           <a:p>
             <a:fld id="{53326AB7-C146-8643-AC32-1D896C71A7F3}" type="datetimeFigureOut">
               <a:rPr lang="en-US" smtClean="0"/>
-              <a:t>1/10/19</a:t>
+              <a:t>1/26/20</a:t>
             </a:fld>
             <a:endParaRPr lang="en-US"/>
           </a:p>
@@ -3988,6 +4079,1813 @@
     <p:extLst>
       <p:ext uri="{BB962C8B-B14F-4D97-AF65-F5344CB8AC3E}">
         <p14:creationId xmlns:p14="http://schemas.microsoft.com/office/powerpoint/2010/main" val="508559530"/>
+      </p:ext>
+    </p:extLst>
+  </p:cSld>
+  <p:clrMapOvr>
+    <a:masterClrMapping/>
+  </p:clrMapOvr>
+</p:sld>
+</file>
+
+<file path=ppt/slides/slide3.xml><?xml version="1.0" encoding="utf-8"?>
+<p:sld xmlns:a="http://schemas.openxmlformats.org/drawingml/2006/main" xmlns:r="http://schemas.openxmlformats.org/officeDocument/2006/relationships" xmlns:p="http://schemas.openxmlformats.org/presentationml/2006/main">
+  <p:cSld>
+    <p:spTree>
+      <p:nvGrpSpPr>
+        <p:cNvPr id="1" name=""/>
+        <p:cNvGrpSpPr/>
+        <p:nvPr/>
+      </p:nvGrpSpPr>
+      <p:grpSpPr>
+        <a:xfrm>
+          <a:off x="0" y="0"/>
+          <a:ext cx="0" cy="0"/>
+          <a:chOff x="0" y="0"/>
+          <a:chExt cx="0" cy="0"/>
+        </a:xfrm>
+      </p:grpSpPr>
+      <p:sp>
+        <p:nvSpPr>
+          <p:cNvPr id="2" name="Title 1">
+            <a:extLst>
+              <a:ext uri="{FF2B5EF4-FFF2-40B4-BE49-F238E27FC236}">
+                <a16:creationId xmlns:a16="http://schemas.microsoft.com/office/drawing/2014/main" id="{A0B85825-A46F-AE41-A652-46BA3E7DD401}"/>
+              </a:ext>
+            </a:extLst>
+          </p:cNvPr>
+          <p:cNvSpPr>
+            <a:spLocks noGrp="1"/>
+          </p:cNvSpPr>
+          <p:nvPr>
+            <p:ph type="title"/>
+          </p:nvPr>
+        </p:nvSpPr>
+        <p:spPr/>
+        <p:txBody>
+          <a:bodyPr/>
+          <a:lstStyle/>
+          <a:p>
+            <a:endParaRPr lang="en-US"/>
+          </a:p>
+        </p:txBody>
+      </p:sp>
+      <p:sp>
+        <p:nvSpPr>
+          <p:cNvPr id="3" name="Content Placeholder 2">
+            <a:extLst>
+              <a:ext uri="{FF2B5EF4-FFF2-40B4-BE49-F238E27FC236}">
+                <a16:creationId xmlns:a16="http://schemas.microsoft.com/office/drawing/2014/main" id="{2BDD0BAD-3BA5-C44B-BCD5-9C641BE19990}"/>
+              </a:ext>
+            </a:extLst>
+          </p:cNvPr>
+          <p:cNvSpPr>
+            <a:spLocks noGrp="1"/>
+          </p:cNvSpPr>
+          <p:nvPr>
+            <p:ph idx="1"/>
+          </p:nvPr>
+        </p:nvSpPr>
+        <p:spPr/>
+        <p:txBody>
+          <a:bodyPr>
+            <a:normAutofit fontScale="55000" lnSpcReduction="20000"/>
+          </a:bodyPr>
+          <a:lstStyle/>
+          <a:p>
+            <a:r>
+              <a:rPr lang="en-US" dirty="0"/>
+              <a:t>Box 6.2 NetLogo’s GIS extension</a:t>
+            </a:r>
+          </a:p>
+          <a:p>
+            <a:r>
+              <a:rPr lang="en-US" dirty="0"/>
+              <a:t>NetLogo’s GIS extension provides support for reading both vector data (in</a:t>
+            </a:r>
+          </a:p>
+          <a:p>
+            <a:r>
+              <a:rPr lang="en-US" dirty="0"/>
+              <a:t>the form of ESRI shapefiles) and raster data (in the form of ESRI ASCII grid</a:t>
+            </a:r>
+          </a:p>
+          <a:p>
+            <a:r>
+              <a:rPr lang="en-US" dirty="0"/>
+              <a:t>files). The NetLogo documentation states: ‘This extension adds GIS</a:t>
+            </a:r>
+          </a:p>
+          <a:p>
+            <a:r>
+              <a:rPr lang="en-US" dirty="0"/>
+              <a:t>(Geographic Information Systems) support to NetLogo. It provides the ability</a:t>
+            </a:r>
+          </a:p>
+          <a:p>
+            <a:r>
+              <a:rPr lang="en-US" dirty="0"/>
+              <a:t>to load vector GIS data (points, lines, and polygons), and raster GIS data</a:t>
+            </a:r>
+          </a:p>
+          <a:p>
+            <a:r>
+              <a:rPr lang="en-US" dirty="0"/>
+              <a:t>(grids) into your model.’</a:t>
+            </a:r>
+          </a:p>
+          <a:p>
+            <a:r>
+              <a:rPr lang="en-US" dirty="0"/>
+              <a:t>As with all NetLogo extensions, the model needs to ‘activate’ it with the</a:t>
+            </a:r>
+          </a:p>
+          <a:p>
+            <a:r>
+              <a:rPr lang="en-US" dirty="0"/>
+              <a:t>following line at the beginning of the model code:</a:t>
+            </a:r>
+          </a:p>
+          <a:p>
+            <a:r>
+              <a:rPr lang="en-US" dirty="0"/>
+              <a:t>extensions [</a:t>
+            </a:r>
+            <a:r>
+              <a:rPr lang="en-US" dirty="0" err="1"/>
+              <a:t>gis</a:t>
+            </a:r>
+            <a:r>
+              <a:rPr lang="en-US" dirty="0"/>
+              <a:t>]</a:t>
+            </a:r>
+          </a:p>
+          <a:p>
+            <a:r>
+              <a:rPr lang="en-US" dirty="0"/>
+              <a:t>For more information about the functionality provided by the GIS extension,</a:t>
+            </a:r>
+          </a:p>
+          <a:p>
+            <a:r>
+              <a:rPr lang="en-US" dirty="0"/>
+              <a:t>refer to the documentation at https://</a:t>
+            </a:r>
+            <a:r>
+              <a:rPr lang="en-US" dirty="0" err="1"/>
+              <a:t>ccl.northwestern</a:t>
+            </a:r>
+            <a:r>
+              <a:rPr lang="en-US" dirty="0"/>
+              <a:t>.</a:t>
+            </a:r>
+          </a:p>
+          <a:p>
+            <a:r>
+              <a:rPr lang="en-US" dirty="0" err="1"/>
+              <a:t>edu</a:t>
+            </a:r>
+            <a:r>
+              <a:rPr lang="en-US" dirty="0"/>
+              <a:t>/</a:t>
+            </a:r>
+            <a:r>
+              <a:rPr lang="en-US" dirty="0" err="1"/>
+              <a:t>netlogo</a:t>
+            </a:r>
+            <a:r>
+              <a:rPr lang="en-US" dirty="0"/>
+              <a:t>/docs/</a:t>
+            </a:r>
+            <a:r>
+              <a:rPr lang="en-US" dirty="0" err="1"/>
+              <a:t>gis.html</a:t>
+            </a:r>
+            <a:r>
+              <a:rPr lang="en-US" dirty="0"/>
+              <a:t>. For detailed code examples, see</a:t>
+            </a:r>
+          </a:p>
+          <a:p>
+            <a:r>
+              <a:rPr lang="en-US" dirty="0"/>
+              <a:t>Section 6.4.1 (raster) and Section 6.4.2 (vector).</a:t>
+            </a:r>
+          </a:p>
+          <a:p>
+            <a:endParaRPr lang="en-US" dirty="0"/>
+          </a:p>
+        </p:txBody>
+      </p:sp>
+    </p:spTree>
+    <p:extLst>
+      <p:ext uri="{BB962C8B-B14F-4D97-AF65-F5344CB8AC3E}">
+        <p14:creationId xmlns:p14="http://schemas.microsoft.com/office/powerpoint/2010/main" val="4175679517"/>
+      </p:ext>
+    </p:extLst>
+  </p:cSld>
+  <p:clrMapOvr>
+    <a:masterClrMapping/>
+  </p:clrMapOvr>
+</p:sld>
+</file>
+
+<file path=ppt/slides/slide4.xml><?xml version="1.0" encoding="utf-8"?>
+<p:sld xmlns:a="http://schemas.openxmlformats.org/drawingml/2006/main" xmlns:r="http://schemas.openxmlformats.org/officeDocument/2006/relationships" xmlns:p="http://schemas.openxmlformats.org/presentationml/2006/main">
+  <p:cSld>
+    <p:spTree>
+      <p:nvGrpSpPr>
+        <p:cNvPr id="1" name=""/>
+        <p:cNvGrpSpPr/>
+        <p:nvPr/>
+      </p:nvGrpSpPr>
+      <p:grpSpPr>
+        <a:xfrm>
+          <a:off x="0" y="0"/>
+          <a:ext cx="0" cy="0"/>
+          <a:chOff x="0" y="0"/>
+          <a:chExt cx="0" cy="0"/>
+        </a:xfrm>
+      </p:grpSpPr>
+      <p:sp>
+        <p:nvSpPr>
+          <p:cNvPr id="2" name="Title 1">
+            <a:extLst>
+              <a:ext uri="{FF2B5EF4-FFF2-40B4-BE49-F238E27FC236}">
+                <a16:creationId xmlns:a16="http://schemas.microsoft.com/office/drawing/2014/main" id="{64EE938D-854A-AC45-B0F3-2087F7839174}"/>
+              </a:ext>
+            </a:extLst>
+          </p:cNvPr>
+          <p:cNvSpPr>
+            <a:spLocks noGrp="1"/>
+          </p:cNvSpPr>
+          <p:nvPr>
+            <p:ph type="title"/>
+          </p:nvPr>
+        </p:nvSpPr>
+        <p:spPr>
+          <a:xfrm>
+            <a:off x="643468" y="623392"/>
+            <a:ext cx="3363974" cy="1607060"/>
+          </a:xfrm>
+          <a:noFill/>
+          <a:ln w="19050">
+            <a:solidFill>
+              <a:schemeClr val="tx1"/>
+            </a:solidFill>
+          </a:ln>
+        </p:spPr>
+        <p:txBody>
+          <a:bodyPr wrap="square" anchor="ctr">
+            <a:normAutofit/>
+          </a:bodyPr>
+          <a:lstStyle/>
+          <a:p>
+            <a:pPr algn="ctr"/>
+            <a:r>
+              <a:rPr lang="en-US" sz="2600"/>
+              <a:t>A simple hydrological model in which rain falls from the sky and flows downhill</a:t>
+            </a:r>
+          </a:p>
+        </p:txBody>
+      </p:sp>
+      <p:sp>
+        <p:nvSpPr>
+          <p:cNvPr id="3" name="Content Placeholder 2">
+            <a:extLst>
+              <a:ext uri="{FF2B5EF4-FFF2-40B4-BE49-F238E27FC236}">
+                <a16:creationId xmlns:a16="http://schemas.microsoft.com/office/drawing/2014/main" id="{AE8C84BB-FC75-6B4B-B74F-B375B22935C6}"/>
+              </a:ext>
+            </a:extLst>
+          </p:cNvPr>
+          <p:cNvSpPr>
+            <a:spLocks noGrp="1"/>
+          </p:cNvSpPr>
+          <p:nvPr>
+            <p:ph idx="1"/>
+          </p:nvPr>
+        </p:nvSpPr>
+        <p:spPr>
+          <a:xfrm>
+            <a:off x="643468" y="2638043"/>
+            <a:ext cx="3363974" cy="3415623"/>
+          </a:xfrm>
+        </p:spPr>
+        <p:txBody>
+          <a:bodyPr>
+            <a:normAutofit/>
+          </a:bodyPr>
+          <a:lstStyle/>
+          <a:p>
+            <a:r>
+              <a:rPr lang="en-US" sz="1700"/>
+              <a:t>(A) initial starting conditions where the blue dots represent agents (i.e. water) and the underlying digital elevation model; </a:t>
+            </a:r>
+          </a:p>
+          <a:p>
+            <a:r>
+              <a:rPr lang="en-US" sz="1700"/>
+              <a:t>(B) over time rain accumulates in Crater Lake;</a:t>
+            </a:r>
+          </a:p>
+          <a:p>
+            <a:r>
+              <a:rPr lang="en-US" sz="1700"/>
+              <a:t>(C) water depth at time step 500 and </a:t>
+            </a:r>
+          </a:p>
+          <a:p>
+            <a:r>
+              <a:rPr lang="en-US" sz="1700"/>
+              <a:t>(D) the corresponding water;</a:t>
+            </a:r>
+          </a:p>
+          <a:p>
+            <a:r>
+              <a:rPr lang="en-US" sz="1700"/>
+              <a:t>(E) Crater Lake has enough water for it to discharge.</a:t>
+            </a:r>
+          </a:p>
+        </p:txBody>
+      </p:sp>
+      <p:pic>
+        <p:nvPicPr>
+          <p:cNvPr id="4" name="Content Placeholder 4" descr="A screenshot of a cell phone&#10;&#10;Description automatically generated">
+            <a:extLst>
+              <a:ext uri="{FF2B5EF4-FFF2-40B4-BE49-F238E27FC236}">
+                <a16:creationId xmlns:a16="http://schemas.microsoft.com/office/drawing/2014/main" id="{410194CC-D3C2-DE4A-8C27-84F215CDB1EA}"/>
+              </a:ext>
+            </a:extLst>
+          </p:cNvPr>
+          <p:cNvPicPr>
+            <a:picLocks noChangeAspect="1"/>
+          </p:cNvPicPr>
+          <p:nvPr/>
+        </p:nvPicPr>
+        <p:blipFill>
+          <a:blip r:embed="rId3"/>
+          <a:stretch>
+            <a:fillRect/>
+          </a:stretch>
+        </p:blipFill>
+        <p:spPr>
+          <a:xfrm>
+            <a:off x="5366538" y="643467"/>
+            <a:ext cx="6113219" cy="5410199"/>
+          </a:xfrm>
+          <a:prstGeom prst="rect">
+            <a:avLst/>
+          </a:prstGeom>
+        </p:spPr>
+      </p:pic>
+      <p:sp>
+        <p:nvSpPr>
+          <p:cNvPr id="5" name="TextBox 4">
+            <a:extLst>
+              <a:ext uri="{FF2B5EF4-FFF2-40B4-BE49-F238E27FC236}">
+                <a16:creationId xmlns:a16="http://schemas.microsoft.com/office/drawing/2014/main" id="{7497E446-ACFD-E54F-BF5E-504C9D81B169}"/>
+              </a:ext>
+            </a:extLst>
+          </p:cNvPr>
+          <p:cNvSpPr txBox="1"/>
+          <p:nvPr/>
+        </p:nvSpPr>
+        <p:spPr>
+          <a:xfrm>
+            <a:off x="5366538" y="6309334"/>
+            <a:ext cx="3354060" cy="369332"/>
+          </a:xfrm>
+          <a:prstGeom prst="rect">
+            <a:avLst/>
+          </a:prstGeom>
+          <a:noFill/>
+        </p:spPr>
+        <p:txBody>
+          <a:bodyPr wrap="none" rtlCol="0">
+            <a:spAutoFit/>
+          </a:bodyPr>
+          <a:lstStyle/>
+          <a:p>
+            <a:r>
+              <a:rPr lang="en-US" dirty="0">
+                <a:solidFill>
+                  <a:schemeClr val="bg1"/>
+                </a:solidFill>
+                <a:hlinkClick r:id="rId4"/>
+              </a:rPr>
+              <a:t>Click here to download the model</a:t>
+            </a:r>
+            <a:endParaRPr lang="en-US" dirty="0">
+              <a:solidFill>
+                <a:schemeClr val="bg1"/>
+              </a:solidFill>
+            </a:endParaRPr>
+          </a:p>
+        </p:txBody>
+      </p:sp>
+      <p:sp>
+        <p:nvSpPr>
+          <p:cNvPr id="6" name="TextBox 5">
+            <a:extLst>
+              <a:ext uri="{FF2B5EF4-FFF2-40B4-BE49-F238E27FC236}">
+                <a16:creationId xmlns:a16="http://schemas.microsoft.com/office/drawing/2014/main" id="{DAA81B3E-1280-5C49-896D-FD1B95257CC6}"/>
+              </a:ext>
+            </a:extLst>
+          </p:cNvPr>
+          <p:cNvSpPr txBox="1"/>
+          <p:nvPr/>
+        </p:nvSpPr>
+        <p:spPr>
+          <a:xfrm>
+            <a:off x="8799929" y="4345854"/>
+            <a:ext cx="2919984" cy="2031325"/>
+          </a:xfrm>
+          <a:prstGeom prst="rect">
+            <a:avLst/>
+          </a:prstGeom>
+          <a:noFill/>
+        </p:spPr>
+        <p:txBody>
+          <a:bodyPr wrap="square" rtlCol="0">
+            <a:spAutoFit/>
+          </a:bodyPr>
+          <a:lstStyle/>
+          <a:p>
+            <a:r>
+              <a:rPr lang="en-US" dirty="0"/>
+              <a:t>Experiment with the Rainfall model, which is available in the accompanying</a:t>
+            </a:r>
+          </a:p>
+          <a:p>
+            <a:r>
+              <a:rPr lang="en-US" dirty="0"/>
+              <a:t>material. If you change the landscape (</a:t>
+            </a:r>
+            <a:r>
+              <a:rPr lang="en-US" dirty="0" err="1"/>
+              <a:t>MapType</a:t>
+            </a:r>
+            <a:r>
+              <a:rPr lang="en-US" dirty="0"/>
+              <a:t>) to Flat, Cone, and Hill, does the water behave as expected?</a:t>
+            </a:r>
+          </a:p>
+        </p:txBody>
+      </p:sp>
+    </p:spTree>
+    <p:extLst>
+      <p:ext uri="{BB962C8B-B14F-4D97-AF65-F5344CB8AC3E}">
+        <p14:creationId xmlns:p14="http://schemas.microsoft.com/office/powerpoint/2010/main" val="4114771015"/>
+      </p:ext>
+    </p:extLst>
+  </p:cSld>
+  <p:clrMapOvr>
+    <a:masterClrMapping/>
+  </p:clrMapOvr>
+</p:sld>
+</file>
+
+<file path=ppt/slides/slide5.xml><?xml version="1.0" encoding="utf-8"?>
+<p:sld xmlns:a="http://schemas.openxmlformats.org/drawingml/2006/main" xmlns:r="http://schemas.openxmlformats.org/officeDocument/2006/relationships" xmlns:p="http://schemas.openxmlformats.org/presentationml/2006/main">
+  <p:cSld>
+    <p:spTree>
+      <p:nvGrpSpPr>
+        <p:cNvPr id="1" name=""/>
+        <p:cNvGrpSpPr/>
+        <p:nvPr/>
+      </p:nvGrpSpPr>
+      <p:grpSpPr>
+        <a:xfrm>
+          <a:off x="0" y="0"/>
+          <a:ext cx="0" cy="0"/>
+          <a:chOff x="0" y="0"/>
+          <a:chExt cx="0" cy="0"/>
+        </a:xfrm>
+      </p:grpSpPr>
+      <p:sp>
+        <p:nvSpPr>
+          <p:cNvPr id="2" name="Title 1">
+            <a:extLst>
+              <a:ext uri="{FF2B5EF4-FFF2-40B4-BE49-F238E27FC236}">
+                <a16:creationId xmlns:a16="http://schemas.microsoft.com/office/drawing/2014/main" id="{DD8B7564-773A-D54C-83C1-2FD46DF3BF6C}"/>
+              </a:ext>
+            </a:extLst>
+          </p:cNvPr>
+          <p:cNvSpPr>
+            <a:spLocks noGrp="1"/>
+          </p:cNvSpPr>
+          <p:nvPr>
+            <p:ph type="title"/>
+          </p:nvPr>
+        </p:nvSpPr>
+        <p:spPr/>
+        <p:txBody>
+          <a:bodyPr/>
+          <a:lstStyle/>
+          <a:p>
+            <a:endParaRPr lang="en-US"/>
+          </a:p>
+        </p:txBody>
+      </p:sp>
+      <p:sp>
+        <p:nvSpPr>
+          <p:cNvPr id="3" name="Content Placeholder 2">
+            <a:extLst>
+              <a:ext uri="{FF2B5EF4-FFF2-40B4-BE49-F238E27FC236}">
+                <a16:creationId xmlns:a16="http://schemas.microsoft.com/office/drawing/2014/main" id="{52569571-178C-9040-BEB5-D058466BE80F}"/>
+              </a:ext>
+            </a:extLst>
+          </p:cNvPr>
+          <p:cNvSpPr>
+            <a:spLocks noGrp="1"/>
+          </p:cNvSpPr>
+          <p:nvPr>
+            <p:ph idx="1"/>
+          </p:nvPr>
+        </p:nvSpPr>
+        <p:spPr/>
+        <p:txBody>
+          <a:bodyPr>
+            <a:normAutofit/>
+          </a:bodyPr>
+          <a:lstStyle/>
+          <a:p>
+            <a:r>
+              <a:rPr lang="en-US" dirty="0"/>
+              <a:t>It is also necessary to define some global variables and some turtle and patch variables. </a:t>
+            </a:r>
+          </a:p>
+          <a:p>
+            <a:r>
+              <a:rPr lang="en-US" dirty="0"/>
+              <a:t>In particular, note the </a:t>
+            </a:r>
+            <a:r>
+              <a:rPr lang="en-US" dirty="0">
+                <a:latin typeface="Courier" pitchFamily="2" charset="0"/>
+              </a:rPr>
+              <a:t>elevation-dataset</a:t>
+            </a:r>
+            <a:r>
+              <a:rPr lang="en-US" dirty="0"/>
+              <a:t> global variable (this is used to store the raster GIS data) and the </a:t>
+            </a:r>
+            <a:r>
+              <a:rPr lang="en-US" dirty="0">
+                <a:latin typeface="Courier" pitchFamily="2" charset="0"/>
+              </a:rPr>
+              <a:t>elevation</a:t>
+            </a:r>
+            <a:r>
+              <a:rPr lang="en-US" dirty="0"/>
+              <a:t> patch variables (these are used to keep track of the initial elevation and current elevation once water starts to flow onto each patch).</a:t>
+            </a:r>
+          </a:p>
+          <a:p>
+            <a:r>
+              <a:rPr lang="en-US" dirty="0"/>
+              <a:t>Next it is necessary to read the DEM data. They are stored as an .</a:t>
+            </a:r>
+            <a:r>
+              <a:rPr lang="en-US" dirty="0" err="1"/>
+              <a:t>asc</a:t>
+            </a:r>
+            <a:r>
+              <a:rPr lang="en-US" dirty="0"/>
+              <a:t> file. This is a common raster format used by most GIS applications</a:t>
+            </a:r>
+          </a:p>
+        </p:txBody>
+      </p:sp>
+    </p:spTree>
+    <p:extLst>
+      <p:ext uri="{BB962C8B-B14F-4D97-AF65-F5344CB8AC3E}">
+        <p14:creationId xmlns:p14="http://schemas.microsoft.com/office/powerpoint/2010/main" val="1645371814"/>
+      </p:ext>
+    </p:extLst>
+  </p:cSld>
+  <p:clrMapOvr>
+    <a:masterClrMapping/>
+  </p:clrMapOvr>
+</p:sld>
+</file>
+
+<file path=ppt/slides/slide6.xml><?xml version="1.0" encoding="utf-8"?>
+<p:sld xmlns:a="http://schemas.openxmlformats.org/drawingml/2006/main" xmlns:r="http://schemas.openxmlformats.org/officeDocument/2006/relationships" xmlns:p="http://schemas.openxmlformats.org/presentationml/2006/main">
+  <p:cSld>
+    <p:spTree>
+      <p:nvGrpSpPr>
+        <p:cNvPr id="1" name=""/>
+        <p:cNvGrpSpPr/>
+        <p:nvPr/>
+      </p:nvGrpSpPr>
+      <p:grpSpPr>
+        <a:xfrm>
+          <a:off x="0" y="0"/>
+          <a:ext cx="0" cy="0"/>
+          <a:chOff x="0" y="0"/>
+          <a:chExt cx="0" cy="0"/>
+        </a:xfrm>
+      </p:grpSpPr>
+      <p:sp>
+        <p:nvSpPr>
+          <p:cNvPr id="2" name="Title 1">
+            <a:extLst>
+              <a:ext uri="{FF2B5EF4-FFF2-40B4-BE49-F238E27FC236}">
+                <a16:creationId xmlns:a16="http://schemas.microsoft.com/office/drawing/2014/main" id="{D860DF82-6040-6D4C-9F90-0438B34C1C7E}"/>
+              </a:ext>
+            </a:extLst>
+          </p:cNvPr>
+          <p:cNvSpPr>
+            <a:spLocks noGrp="1"/>
+          </p:cNvSpPr>
+          <p:nvPr>
+            <p:ph type="title"/>
+          </p:nvPr>
+        </p:nvSpPr>
+        <p:spPr/>
+        <p:txBody>
+          <a:bodyPr/>
+          <a:lstStyle/>
+          <a:p>
+            <a:endParaRPr lang="en-US"/>
+          </a:p>
+        </p:txBody>
+      </p:sp>
+      <p:sp>
+        <p:nvSpPr>
+          <p:cNvPr id="3" name="Content Placeholder 2">
+            <a:extLst>
+              <a:ext uri="{FF2B5EF4-FFF2-40B4-BE49-F238E27FC236}">
+                <a16:creationId xmlns:a16="http://schemas.microsoft.com/office/drawing/2014/main" id="{8FCD4CE7-234E-704E-978D-ED3EC2A74325}"/>
+              </a:ext>
+            </a:extLst>
+          </p:cNvPr>
+          <p:cNvSpPr>
+            <a:spLocks noGrp="1"/>
+          </p:cNvSpPr>
+          <p:nvPr>
+            <p:ph idx="1"/>
+          </p:nvPr>
+        </p:nvSpPr>
+        <p:spPr>
+          <a:xfrm>
+            <a:off x="838200" y="1825625"/>
+            <a:ext cx="10515600" cy="2575687"/>
+          </a:xfrm>
+        </p:spPr>
+        <p:txBody>
+          <a:bodyPr>
+            <a:normAutofit fontScale="92500" lnSpcReduction="10000"/>
+          </a:bodyPr>
+          <a:lstStyle/>
+          <a:p>
+            <a:r>
+              <a:rPr lang="en-US" dirty="0"/>
+              <a:t>To load the DEM data into NetLogo it is first necessary to resize the model environment so that there is precisely one NetLogo patch per raster pixel.</a:t>
+            </a:r>
+          </a:p>
+          <a:p>
+            <a:r>
+              <a:rPr lang="en-US" dirty="0"/>
+              <a:t>It is possible to find the number of rows and columns in a raster data set using a GIS, but the process is even simpler with .</a:t>
+            </a:r>
+            <a:r>
+              <a:rPr lang="en-US" dirty="0" err="1"/>
+              <a:t>asc</a:t>
+            </a:r>
+            <a:r>
+              <a:rPr lang="en-US" dirty="0"/>
+              <a:t> files. </a:t>
+            </a:r>
+          </a:p>
+          <a:p>
+            <a:r>
+              <a:rPr lang="en-US" dirty="0"/>
+              <a:t>The first few lines of the file provide some information about the rest of the data. For example, the first six lines of the </a:t>
+            </a:r>
+            <a:r>
+              <a:rPr lang="en-US" dirty="0" err="1"/>
+              <a:t>elevation.asc</a:t>
+            </a:r>
+            <a:r>
+              <a:rPr lang="en-US" dirty="0"/>
+              <a:t> file, which we will read here, contain the following:</a:t>
+            </a:r>
+          </a:p>
+        </p:txBody>
+      </p:sp>
+      <p:pic>
+        <p:nvPicPr>
+          <p:cNvPr id="5" name="Picture 4" descr="A screenshot of a cell phone&#10;&#10;Description automatically generated">
+            <a:extLst>
+              <a:ext uri="{FF2B5EF4-FFF2-40B4-BE49-F238E27FC236}">
+                <a16:creationId xmlns:a16="http://schemas.microsoft.com/office/drawing/2014/main" id="{26DF7B82-E9EF-F24D-B084-24B1C86B0E24}"/>
+              </a:ext>
+            </a:extLst>
+          </p:cNvPr>
+          <p:cNvPicPr>
+            <a:picLocks noChangeAspect="1"/>
+          </p:cNvPicPr>
+          <p:nvPr/>
+        </p:nvPicPr>
+        <p:blipFill>
+          <a:blip r:embed="rId2"/>
+          <a:stretch>
+            <a:fillRect/>
+          </a:stretch>
+        </p:blipFill>
+        <p:spPr>
+          <a:xfrm>
+            <a:off x="4156201" y="4536249"/>
+            <a:ext cx="3633132" cy="2142616"/>
+          </a:xfrm>
+          <a:prstGeom prst="rect">
+            <a:avLst/>
+          </a:prstGeom>
+        </p:spPr>
+      </p:pic>
+    </p:spTree>
+    <p:extLst>
+      <p:ext uri="{BB962C8B-B14F-4D97-AF65-F5344CB8AC3E}">
+        <p14:creationId xmlns:p14="http://schemas.microsoft.com/office/powerpoint/2010/main" val="3851111066"/>
+      </p:ext>
+    </p:extLst>
+  </p:cSld>
+  <p:clrMapOvr>
+    <a:masterClrMapping/>
+  </p:clrMapOvr>
+</p:sld>
+</file>
+
+<file path=ppt/slides/slide7.xml><?xml version="1.0" encoding="utf-8"?>
+<p:sld xmlns:a="http://schemas.openxmlformats.org/drawingml/2006/main" xmlns:r="http://schemas.openxmlformats.org/officeDocument/2006/relationships" xmlns:p="http://schemas.openxmlformats.org/presentationml/2006/main">
+  <p:cSld>
+    <p:spTree>
+      <p:nvGrpSpPr>
+        <p:cNvPr id="1" name=""/>
+        <p:cNvGrpSpPr/>
+        <p:nvPr/>
+      </p:nvGrpSpPr>
+      <p:grpSpPr>
+        <a:xfrm>
+          <a:off x="0" y="0"/>
+          <a:ext cx="0" cy="0"/>
+          <a:chOff x="0" y="0"/>
+          <a:chExt cx="0" cy="0"/>
+        </a:xfrm>
+      </p:grpSpPr>
+      <p:sp>
+        <p:nvSpPr>
+          <p:cNvPr id="2" name="Title 1">
+            <a:extLst>
+              <a:ext uri="{FF2B5EF4-FFF2-40B4-BE49-F238E27FC236}">
+                <a16:creationId xmlns:a16="http://schemas.microsoft.com/office/drawing/2014/main" id="{FA01F051-81A2-E346-B999-B6B5BC8B8677}"/>
+              </a:ext>
+            </a:extLst>
+          </p:cNvPr>
+          <p:cNvSpPr>
+            <a:spLocks noGrp="1"/>
+          </p:cNvSpPr>
+          <p:nvPr>
+            <p:ph type="title"/>
+          </p:nvPr>
+        </p:nvSpPr>
+        <p:spPr/>
+        <p:txBody>
+          <a:bodyPr/>
+          <a:lstStyle/>
+          <a:p>
+            <a:endParaRPr lang="en-US"/>
+          </a:p>
+        </p:txBody>
+      </p:sp>
+      <p:sp>
+        <p:nvSpPr>
+          <p:cNvPr id="3" name="Content Placeholder 2">
+            <a:extLst>
+              <a:ext uri="{FF2B5EF4-FFF2-40B4-BE49-F238E27FC236}">
+                <a16:creationId xmlns:a16="http://schemas.microsoft.com/office/drawing/2014/main" id="{59E07EDB-A3F8-B743-8463-823C8F55C59A}"/>
+              </a:ext>
+            </a:extLst>
+          </p:cNvPr>
+          <p:cNvSpPr>
+            <a:spLocks noGrp="1"/>
+          </p:cNvSpPr>
+          <p:nvPr>
+            <p:ph idx="1"/>
+          </p:nvPr>
+        </p:nvSpPr>
+        <p:spPr/>
+        <p:txBody>
+          <a:bodyPr>
+            <a:normAutofit lnSpcReduction="10000"/>
+          </a:bodyPr>
+          <a:lstStyle/>
+          <a:p>
+            <a:r>
+              <a:rPr lang="en-US" dirty="0"/>
+              <a:t>The first two lines declare the number of columns and rows of pixels. Therefore the NetLogo environment must be resized so that it has exactly that many rows and pixels. </a:t>
+            </a:r>
+          </a:p>
+          <a:p>
+            <a:r>
+              <a:rPr lang="en-US" dirty="0"/>
+              <a:t>In this example we would like the origin to remain in the </a:t>
+            </a:r>
+            <a:r>
+              <a:rPr lang="en-US" dirty="0" err="1"/>
+              <a:t>centre</a:t>
+            </a:r>
+            <a:r>
+              <a:rPr lang="en-US" dirty="0"/>
+              <a:t> of the world, hence it can be resized as follows:</a:t>
+            </a:r>
+          </a:p>
+          <a:p>
+            <a:pPr marL="0" indent="0">
+              <a:buNone/>
+            </a:pPr>
+            <a:r>
+              <a:rPr lang="en-US" dirty="0">
+                <a:solidFill>
+                  <a:srgbClr val="BBBBBB"/>
+                </a:solidFill>
+                <a:latin typeface="Courier" pitchFamily="2" charset="0"/>
+              </a:rPr>
+              <a:t>  </a:t>
+            </a:r>
+            <a:r>
+              <a:rPr lang="en-US" b="1" dirty="0">
+                <a:solidFill>
+                  <a:srgbClr val="008000"/>
+                </a:solidFill>
+                <a:latin typeface="Courier" pitchFamily="2" charset="0"/>
+              </a:rPr>
+              <a:t>resize-world</a:t>
+            </a:r>
+            <a:r>
+              <a:rPr lang="en-US" dirty="0">
+                <a:solidFill>
+                  <a:srgbClr val="BBBBBB"/>
+                </a:solidFill>
+                <a:latin typeface="Courier" pitchFamily="2" charset="0"/>
+              </a:rPr>
+              <a:t> </a:t>
+            </a:r>
+            <a:r>
+              <a:rPr lang="en-US" dirty="0">
+                <a:solidFill>
+                  <a:srgbClr val="000000"/>
+                </a:solidFill>
+                <a:latin typeface="Courier" pitchFamily="2" charset="0"/>
+              </a:rPr>
+              <a:t>-142</a:t>
+            </a:r>
+            <a:r>
+              <a:rPr lang="en-US" dirty="0">
+                <a:solidFill>
+                  <a:srgbClr val="BBBBBB"/>
+                </a:solidFill>
+                <a:latin typeface="Courier" pitchFamily="2" charset="0"/>
+              </a:rPr>
+              <a:t> </a:t>
+            </a:r>
+            <a:r>
+              <a:rPr lang="en-US" dirty="0">
+                <a:solidFill>
+                  <a:srgbClr val="666666"/>
+                </a:solidFill>
+                <a:latin typeface="Courier" pitchFamily="2" charset="0"/>
+              </a:rPr>
+              <a:t>142</a:t>
+            </a:r>
+            <a:r>
+              <a:rPr lang="en-US" dirty="0">
+                <a:solidFill>
+                  <a:srgbClr val="BBBBBB"/>
+                </a:solidFill>
+                <a:latin typeface="Courier" pitchFamily="2" charset="0"/>
+              </a:rPr>
+              <a:t> </a:t>
+            </a:r>
+            <a:r>
+              <a:rPr lang="en-US" dirty="0">
+                <a:solidFill>
+                  <a:srgbClr val="000000"/>
+                </a:solidFill>
+                <a:latin typeface="Courier" pitchFamily="2" charset="0"/>
+              </a:rPr>
+              <a:t>-71</a:t>
+            </a:r>
+            <a:r>
+              <a:rPr lang="en-US" dirty="0">
+                <a:solidFill>
+                  <a:srgbClr val="BBBBBB"/>
+                </a:solidFill>
+                <a:latin typeface="Courier" pitchFamily="2" charset="0"/>
+              </a:rPr>
+              <a:t> </a:t>
+            </a:r>
+            <a:r>
+              <a:rPr lang="en-US" dirty="0">
+                <a:solidFill>
+                  <a:srgbClr val="666666"/>
+                </a:solidFill>
+                <a:latin typeface="Courier" pitchFamily="2" charset="0"/>
+              </a:rPr>
+              <a:t>71</a:t>
+            </a:r>
+            <a:endParaRPr lang="en-US" dirty="0"/>
+          </a:p>
+          <a:p>
+            <a:r>
+              <a:rPr lang="en-US" dirty="0"/>
+              <a:t>Following this, the envelope needs to be configured so that it will map exactly on to the raster GIS data extent (refer to the </a:t>
+            </a:r>
+            <a:r>
+              <a:rPr lang="en-US" dirty="0" err="1"/>
+              <a:t>gis:set-world-envelope</a:t>
+            </a:r>
+            <a:r>
+              <a:rPr lang="en-US" dirty="0"/>
+              <a:t> documentation for more information).</a:t>
+            </a:r>
+          </a:p>
+          <a:p>
+            <a:pPr marL="457200" lvl="1" indent="0">
+              <a:buNone/>
+            </a:pPr>
+            <a:r>
+              <a:rPr lang="en-US" b="1" dirty="0" err="1">
+                <a:solidFill>
+                  <a:srgbClr val="008000"/>
+                </a:solidFill>
+                <a:latin typeface="Courier" pitchFamily="2" charset="0"/>
+              </a:rPr>
+              <a:t>gis:set-world-envelope</a:t>
+            </a:r>
+            <a:r>
+              <a:rPr lang="en-US" dirty="0">
+                <a:solidFill>
+                  <a:srgbClr val="BBBBBB"/>
+                </a:solidFill>
+                <a:latin typeface="Courier" pitchFamily="2" charset="0"/>
+              </a:rPr>
+              <a:t> </a:t>
+            </a:r>
+            <a:r>
+              <a:rPr lang="en-US" dirty="0" err="1">
+                <a:solidFill>
+                  <a:srgbClr val="0000FF"/>
+                </a:solidFill>
+                <a:latin typeface="Courier" pitchFamily="2" charset="0"/>
+              </a:rPr>
+              <a:t>gis:envelope-of</a:t>
+            </a:r>
+            <a:r>
+              <a:rPr lang="en-US" dirty="0">
+                <a:solidFill>
+                  <a:srgbClr val="BBBBBB"/>
+                </a:solidFill>
+                <a:latin typeface="Courier" pitchFamily="2" charset="0"/>
+              </a:rPr>
+              <a:t> </a:t>
+            </a:r>
+            <a:r>
+              <a:rPr lang="en-US" dirty="0">
+                <a:solidFill>
+                  <a:srgbClr val="000000"/>
+                </a:solidFill>
+                <a:latin typeface="Courier" pitchFamily="2" charset="0"/>
+              </a:rPr>
+              <a:t>elevation-dataset</a:t>
+            </a:r>
+          </a:p>
+        </p:txBody>
+      </p:sp>
+    </p:spTree>
+    <p:extLst>
+      <p:ext uri="{BB962C8B-B14F-4D97-AF65-F5344CB8AC3E}">
+        <p14:creationId xmlns:p14="http://schemas.microsoft.com/office/powerpoint/2010/main" val="1989348196"/>
+      </p:ext>
+    </p:extLst>
+  </p:cSld>
+  <p:clrMapOvr>
+    <a:masterClrMapping/>
+  </p:clrMapOvr>
+</p:sld>
+</file>
+
+<file path=ppt/slides/slide8.xml><?xml version="1.0" encoding="utf-8"?>
+<p:sld xmlns:a="http://schemas.openxmlformats.org/drawingml/2006/main" xmlns:r="http://schemas.openxmlformats.org/officeDocument/2006/relationships" xmlns:p="http://schemas.openxmlformats.org/presentationml/2006/main">
+  <p:cSld>
+    <p:spTree>
+      <p:nvGrpSpPr>
+        <p:cNvPr id="1" name=""/>
+        <p:cNvGrpSpPr/>
+        <p:nvPr/>
+      </p:nvGrpSpPr>
+      <p:grpSpPr>
+        <a:xfrm>
+          <a:off x="0" y="0"/>
+          <a:ext cx="0" cy="0"/>
+          <a:chOff x="0" y="0"/>
+          <a:chExt cx="0" cy="0"/>
+        </a:xfrm>
+      </p:grpSpPr>
+      <p:sp>
+        <p:nvSpPr>
+          <p:cNvPr id="2" name="Title 1">
+            <a:extLst>
+              <a:ext uri="{FF2B5EF4-FFF2-40B4-BE49-F238E27FC236}">
+                <a16:creationId xmlns:a16="http://schemas.microsoft.com/office/drawing/2014/main" id="{74601275-8E4F-9643-8D10-4D65CC654DD0}"/>
+              </a:ext>
+            </a:extLst>
+          </p:cNvPr>
+          <p:cNvSpPr>
+            <a:spLocks noGrp="1"/>
+          </p:cNvSpPr>
+          <p:nvPr>
+            <p:ph type="title"/>
+          </p:nvPr>
+        </p:nvSpPr>
+        <p:spPr/>
+        <p:txBody>
+          <a:bodyPr/>
+          <a:lstStyle/>
+          <a:p>
+            <a:endParaRPr lang="en-US"/>
+          </a:p>
+        </p:txBody>
+      </p:sp>
+      <p:sp>
+        <p:nvSpPr>
+          <p:cNvPr id="3" name="Content Placeholder 2">
+            <a:extLst>
+              <a:ext uri="{FF2B5EF4-FFF2-40B4-BE49-F238E27FC236}">
+                <a16:creationId xmlns:a16="http://schemas.microsoft.com/office/drawing/2014/main" id="{603BFC84-1F1D-864C-83E8-D95E030D9C59}"/>
+              </a:ext>
+            </a:extLst>
+          </p:cNvPr>
+          <p:cNvSpPr>
+            <a:spLocks noGrp="1"/>
+          </p:cNvSpPr>
+          <p:nvPr>
+            <p:ph idx="1"/>
+          </p:nvPr>
+        </p:nvSpPr>
+        <p:spPr/>
+        <p:txBody>
+          <a:bodyPr/>
+          <a:lstStyle/>
+          <a:p>
+            <a:r>
+              <a:rPr lang="en-US" dirty="0"/>
+              <a:t>Then the two apply-raster commands read the value of each raster cell and store this value in the patches’ elevation and initial-elevation variables (to begin with the elevation and initial elevation are the same because the model has not simulated any water). In effect this creates the mapping between raster cells and NetLogo patches.</a:t>
+            </a:r>
+            <a:endParaRPr lang="en-US" b="1" dirty="0">
+              <a:solidFill>
+                <a:srgbClr val="008000"/>
+              </a:solidFill>
+              <a:latin typeface="Courier" pitchFamily="2" charset="0"/>
+            </a:endParaRPr>
+          </a:p>
+          <a:p>
+            <a:pPr marL="457200" lvl="1" indent="0">
+              <a:buNone/>
+            </a:pPr>
+            <a:r>
+              <a:rPr lang="en-US" b="1" dirty="0" err="1">
+                <a:solidFill>
+                  <a:srgbClr val="008000"/>
+                </a:solidFill>
+                <a:latin typeface="Courier" pitchFamily="2" charset="0"/>
+              </a:rPr>
+              <a:t>gis:apply-raster</a:t>
+            </a:r>
+            <a:r>
+              <a:rPr lang="en-US" dirty="0">
+                <a:solidFill>
+                  <a:srgbClr val="BBBBBB"/>
+                </a:solidFill>
+                <a:latin typeface="Courier" pitchFamily="2" charset="0"/>
+              </a:rPr>
+              <a:t> </a:t>
+            </a:r>
+            <a:r>
+              <a:rPr lang="en-US" dirty="0">
+                <a:latin typeface="Courier" pitchFamily="2" charset="0"/>
+              </a:rPr>
+              <a:t>elevation-dataset</a:t>
+            </a:r>
+            <a:r>
+              <a:rPr lang="en-US" dirty="0">
+                <a:solidFill>
+                  <a:srgbClr val="BBBBBB"/>
+                </a:solidFill>
+                <a:latin typeface="Courier" pitchFamily="2" charset="0"/>
+              </a:rPr>
+              <a:t> </a:t>
+            </a:r>
+            <a:r>
+              <a:rPr lang="en-US" dirty="0">
+                <a:latin typeface="Courier" pitchFamily="2" charset="0"/>
+              </a:rPr>
+              <a:t>elevation</a:t>
+            </a:r>
+            <a:endParaRPr lang="en-US" dirty="0">
+              <a:solidFill>
+                <a:srgbClr val="BBBBBB"/>
+              </a:solidFill>
+              <a:latin typeface="Courier" pitchFamily="2" charset="0"/>
+            </a:endParaRPr>
+          </a:p>
+          <a:p>
+            <a:pPr marL="457200" lvl="1" indent="0">
+              <a:buNone/>
+            </a:pPr>
+            <a:r>
+              <a:rPr lang="en-US" b="1" dirty="0" err="1">
+                <a:solidFill>
+                  <a:srgbClr val="008000"/>
+                </a:solidFill>
+                <a:latin typeface="Courier" pitchFamily="2" charset="0"/>
+              </a:rPr>
+              <a:t>gis:apply-raster</a:t>
+            </a:r>
+            <a:r>
+              <a:rPr lang="en-US" dirty="0">
+                <a:solidFill>
+                  <a:srgbClr val="BBBBBB"/>
+                </a:solidFill>
+                <a:latin typeface="Courier" pitchFamily="2" charset="0"/>
+              </a:rPr>
+              <a:t> </a:t>
+            </a:r>
+            <a:r>
+              <a:rPr lang="en-US" dirty="0">
+                <a:latin typeface="Courier" pitchFamily="2" charset="0"/>
+              </a:rPr>
+              <a:t>elevation-dataset</a:t>
+            </a:r>
+            <a:r>
+              <a:rPr lang="en-US" dirty="0">
+                <a:solidFill>
+                  <a:srgbClr val="BBBBBB"/>
+                </a:solidFill>
+                <a:latin typeface="Courier" pitchFamily="2" charset="0"/>
+              </a:rPr>
+              <a:t> </a:t>
+            </a:r>
+            <a:r>
+              <a:rPr lang="en-US" dirty="0" err="1">
+                <a:latin typeface="Courier" pitchFamily="2" charset="0"/>
+              </a:rPr>
+              <a:t>initial_elevation</a:t>
+            </a:r>
+            <a:endParaRPr lang="en-US" dirty="0">
+              <a:latin typeface="Courier" pitchFamily="2" charset="0"/>
+            </a:endParaRPr>
+          </a:p>
+          <a:p>
+            <a:endParaRPr lang="en-US" dirty="0"/>
+          </a:p>
+        </p:txBody>
+      </p:sp>
+    </p:spTree>
+    <p:extLst>
+      <p:ext uri="{BB962C8B-B14F-4D97-AF65-F5344CB8AC3E}">
+        <p14:creationId xmlns:p14="http://schemas.microsoft.com/office/powerpoint/2010/main" val="4259604143"/>
+      </p:ext>
+    </p:extLst>
+  </p:cSld>
+  <p:clrMapOvr>
+    <a:masterClrMapping/>
+  </p:clrMapOvr>
+</p:sld>
+</file>
+
+<file path=ppt/slides/slide9.xml><?xml version="1.0" encoding="utf-8"?>
+<p:sld xmlns:a="http://schemas.openxmlformats.org/drawingml/2006/main" xmlns:r="http://schemas.openxmlformats.org/officeDocument/2006/relationships" xmlns:p="http://schemas.openxmlformats.org/presentationml/2006/main">
+  <p:cSld>
+    <p:spTree>
+      <p:nvGrpSpPr>
+        <p:cNvPr id="1" name=""/>
+        <p:cNvGrpSpPr/>
+        <p:nvPr/>
+      </p:nvGrpSpPr>
+      <p:grpSpPr>
+        <a:xfrm>
+          <a:off x="0" y="0"/>
+          <a:ext cx="0" cy="0"/>
+          <a:chOff x="0" y="0"/>
+          <a:chExt cx="0" cy="0"/>
+        </a:xfrm>
+      </p:grpSpPr>
+      <p:sp>
+        <p:nvSpPr>
+          <p:cNvPr id="2" name="Title 1">
+            <a:extLst>
+              <a:ext uri="{FF2B5EF4-FFF2-40B4-BE49-F238E27FC236}">
+                <a16:creationId xmlns:a16="http://schemas.microsoft.com/office/drawing/2014/main" id="{653399E3-8AAE-7741-9E67-AC3DDF7FFD13}"/>
+              </a:ext>
+            </a:extLst>
+          </p:cNvPr>
+          <p:cNvSpPr>
+            <a:spLocks noGrp="1"/>
+          </p:cNvSpPr>
+          <p:nvPr>
+            <p:ph type="title"/>
+          </p:nvPr>
+        </p:nvSpPr>
+        <p:spPr/>
+        <p:txBody>
+          <a:bodyPr/>
+          <a:lstStyle/>
+          <a:p>
+            <a:endParaRPr lang="en-US"/>
+          </a:p>
+        </p:txBody>
+      </p:sp>
+      <p:sp>
+        <p:nvSpPr>
+          <p:cNvPr id="3" name="Content Placeholder 2">
+            <a:extLst>
+              <a:ext uri="{FF2B5EF4-FFF2-40B4-BE49-F238E27FC236}">
+                <a16:creationId xmlns:a16="http://schemas.microsoft.com/office/drawing/2014/main" id="{AF29209B-2D8A-8A41-9C0E-8CB73C8C4FD6}"/>
+              </a:ext>
+            </a:extLst>
+          </p:cNvPr>
+          <p:cNvSpPr>
+            <a:spLocks noGrp="1"/>
+          </p:cNvSpPr>
+          <p:nvPr>
+            <p:ph idx="1"/>
+          </p:nvPr>
+        </p:nvSpPr>
+        <p:spPr/>
+        <p:txBody>
+          <a:bodyPr>
+            <a:normAutofit fontScale="62500" lnSpcReduction="20000"/>
+          </a:bodyPr>
+          <a:lstStyle/>
+          <a:p>
+            <a:r>
+              <a:rPr lang="en-US" dirty="0"/>
+              <a:t>In effect “</a:t>
+            </a:r>
+            <a:r>
+              <a:rPr lang="en-US" dirty="0">
+                <a:latin typeface="Courier" pitchFamily="2" charset="0"/>
+              </a:rPr>
+              <a:t>elevation</a:t>
+            </a:r>
+            <a:r>
+              <a:rPr lang="en-US" dirty="0"/>
+              <a:t>” and  “</a:t>
+            </a:r>
+            <a:r>
+              <a:rPr lang="en-US" dirty="0" err="1">
+                <a:latin typeface="Courier" pitchFamily="2" charset="0"/>
+              </a:rPr>
+              <a:t>initial_elevation</a:t>
+            </a:r>
+            <a:r>
+              <a:rPr lang="en-US" dirty="0"/>
+              <a:t>”</a:t>
+            </a:r>
+            <a:r>
+              <a:rPr lang="en-US" dirty="0">
+                <a:latin typeface="Courier" pitchFamily="2" charset="0"/>
+              </a:rPr>
+              <a:t> </a:t>
+            </a:r>
+            <a:r>
+              <a:rPr lang="en-US" dirty="0"/>
+              <a:t>creates the mapping between raster cells and NetLogo patches.</a:t>
+            </a:r>
+          </a:p>
+          <a:p>
+            <a:pPr marL="457200" lvl="1" indent="0">
+              <a:buNone/>
+            </a:pPr>
+            <a:r>
+              <a:rPr lang="en-US" b="1" dirty="0" err="1">
+                <a:solidFill>
+                  <a:srgbClr val="008000"/>
+                </a:solidFill>
+                <a:latin typeface="Courier" pitchFamily="2" charset="0"/>
+              </a:rPr>
+              <a:t>globals</a:t>
+            </a:r>
+            <a:r>
+              <a:rPr lang="en-US" dirty="0">
+                <a:solidFill>
+                  <a:srgbClr val="BBBBBB"/>
+                </a:solidFill>
+                <a:latin typeface="Courier" pitchFamily="2" charset="0"/>
+              </a:rPr>
+              <a:t> </a:t>
+            </a:r>
+            <a:r>
+              <a:rPr lang="en-US" b="1" dirty="0">
+                <a:solidFill>
+                  <a:srgbClr val="0000FF"/>
+                </a:solidFill>
+                <a:latin typeface="Courier" pitchFamily="2" charset="0"/>
+              </a:rPr>
+              <a:t>[</a:t>
+            </a:r>
+            <a:endParaRPr lang="en-US" dirty="0">
+              <a:solidFill>
+                <a:srgbClr val="008000"/>
+              </a:solidFill>
+              <a:latin typeface="Courier" pitchFamily="2" charset="0"/>
+            </a:endParaRPr>
+          </a:p>
+          <a:p>
+            <a:pPr marL="457200" lvl="1" indent="0">
+              <a:buNone/>
+            </a:pPr>
+            <a:r>
+              <a:rPr lang="en-US" dirty="0">
+                <a:solidFill>
+                  <a:srgbClr val="BBBBBB"/>
+                </a:solidFill>
+                <a:latin typeface="Courier" pitchFamily="2" charset="0"/>
+              </a:rPr>
+              <a:t>  </a:t>
+            </a:r>
+            <a:r>
+              <a:rPr lang="en-US" dirty="0">
+                <a:latin typeface="Courier" pitchFamily="2" charset="0"/>
+              </a:rPr>
+              <a:t>elevation-dataset</a:t>
+            </a:r>
+          </a:p>
+          <a:p>
+            <a:pPr marL="457200" lvl="1" indent="0">
+              <a:buNone/>
+            </a:pPr>
+            <a:r>
+              <a:rPr lang="en-US" dirty="0">
+                <a:solidFill>
+                  <a:srgbClr val="BBBBBB"/>
+                </a:solidFill>
+                <a:latin typeface="Courier" pitchFamily="2" charset="0"/>
+              </a:rPr>
+              <a:t>  </a:t>
+            </a:r>
+            <a:r>
+              <a:rPr lang="en-US" dirty="0">
+                <a:solidFill>
+                  <a:srgbClr val="000000"/>
+                </a:solidFill>
+                <a:latin typeface="Courier" pitchFamily="2" charset="0"/>
+              </a:rPr>
+              <a:t>border</a:t>
+            </a:r>
+            <a:r>
+              <a:rPr lang="en-US" dirty="0">
+                <a:solidFill>
+                  <a:srgbClr val="BBBBBB"/>
+                </a:solidFill>
+                <a:latin typeface="Courier" pitchFamily="2" charset="0"/>
+              </a:rPr>
+              <a:t>          </a:t>
+            </a:r>
+            <a:r>
+              <a:rPr lang="en-US" i="1" dirty="0">
+                <a:solidFill>
+                  <a:srgbClr val="408080"/>
+                </a:solidFill>
+                <a:latin typeface="Courier" pitchFamily="2" charset="0"/>
+              </a:rPr>
+              <a:t>;; keep the patches around the edge in a global</a:t>
+            </a:r>
+            <a:endParaRPr lang="en-US" dirty="0">
+              <a:solidFill>
+                <a:srgbClr val="408080"/>
+              </a:solidFill>
+              <a:latin typeface="Courier" pitchFamily="2" charset="0"/>
+            </a:endParaRPr>
+          </a:p>
+          <a:p>
+            <a:pPr marL="457200" lvl="1" indent="0">
+              <a:buNone/>
+            </a:pPr>
+            <a:r>
+              <a:rPr lang="en-US" dirty="0">
+                <a:solidFill>
+                  <a:srgbClr val="BBBBBB"/>
+                </a:solidFill>
+                <a:latin typeface="Courier" pitchFamily="2" charset="0"/>
+              </a:rPr>
+              <a:t>                  </a:t>
+            </a:r>
+            <a:r>
+              <a:rPr lang="en-US" i="1" dirty="0">
+                <a:solidFill>
+                  <a:srgbClr val="408080"/>
+                </a:solidFill>
+                <a:latin typeface="Courier" pitchFamily="2" charset="0"/>
+              </a:rPr>
+              <a:t>;; so we don't ever have to ask patches in go</a:t>
+            </a:r>
+            <a:endParaRPr lang="en-US" dirty="0">
+              <a:solidFill>
+                <a:srgbClr val="408080"/>
+              </a:solidFill>
+              <a:latin typeface="Courier" pitchFamily="2" charset="0"/>
+            </a:endParaRPr>
+          </a:p>
+          <a:p>
+            <a:pPr marL="457200" lvl="1" indent="0">
+              <a:buNone/>
+            </a:pPr>
+            <a:r>
+              <a:rPr lang="en-US" dirty="0">
+                <a:solidFill>
+                  <a:srgbClr val="BBBBBB"/>
+                </a:solidFill>
+                <a:latin typeface="Courier" pitchFamily="2" charset="0"/>
+              </a:rPr>
+              <a:t>  </a:t>
+            </a:r>
+            <a:r>
+              <a:rPr lang="en-US" dirty="0">
+                <a:solidFill>
+                  <a:srgbClr val="000000"/>
+                </a:solidFill>
+                <a:latin typeface="Courier" pitchFamily="2" charset="0"/>
+              </a:rPr>
+              <a:t>min-e</a:t>
+            </a:r>
+            <a:r>
+              <a:rPr lang="en-US" dirty="0">
+                <a:solidFill>
+                  <a:srgbClr val="BBBBBB"/>
+                </a:solidFill>
+                <a:latin typeface="Courier" pitchFamily="2" charset="0"/>
+              </a:rPr>
+              <a:t>           </a:t>
+            </a:r>
+            <a:r>
+              <a:rPr lang="en-US" i="1" dirty="0">
+                <a:solidFill>
+                  <a:srgbClr val="408080"/>
+                </a:solidFill>
+                <a:latin typeface="Courier" pitchFamily="2" charset="0"/>
+              </a:rPr>
+              <a:t>;;minimum elevation</a:t>
+            </a:r>
+            <a:endParaRPr lang="en-US" dirty="0">
+              <a:solidFill>
+                <a:srgbClr val="408080"/>
+              </a:solidFill>
+              <a:latin typeface="Courier" pitchFamily="2" charset="0"/>
+            </a:endParaRPr>
+          </a:p>
+          <a:p>
+            <a:pPr marL="457200" lvl="1" indent="0">
+              <a:buNone/>
+            </a:pPr>
+            <a:r>
+              <a:rPr lang="en-US" dirty="0">
+                <a:solidFill>
+                  <a:srgbClr val="BBBBBB"/>
+                </a:solidFill>
+                <a:latin typeface="Courier" pitchFamily="2" charset="0"/>
+              </a:rPr>
+              <a:t>  </a:t>
+            </a:r>
+            <a:r>
+              <a:rPr lang="en-US" dirty="0">
+                <a:solidFill>
+                  <a:srgbClr val="000000"/>
+                </a:solidFill>
+                <a:latin typeface="Courier" pitchFamily="2" charset="0"/>
+              </a:rPr>
+              <a:t>max-e</a:t>
+            </a:r>
+            <a:r>
+              <a:rPr lang="en-US" dirty="0">
+                <a:solidFill>
+                  <a:srgbClr val="BBBBBB"/>
+                </a:solidFill>
+                <a:latin typeface="Courier" pitchFamily="2" charset="0"/>
+              </a:rPr>
+              <a:t>           </a:t>
+            </a:r>
+            <a:r>
+              <a:rPr lang="en-US" i="1" dirty="0">
+                <a:solidFill>
+                  <a:srgbClr val="408080"/>
+                </a:solidFill>
+                <a:latin typeface="Courier" pitchFamily="2" charset="0"/>
+              </a:rPr>
+              <a:t>;;maximum elevation</a:t>
+            </a:r>
+            <a:endParaRPr lang="en-US" dirty="0">
+              <a:solidFill>
+                <a:srgbClr val="408080"/>
+              </a:solidFill>
+              <a:latin typeface="Courier" pitchFamily="2" charset="0"/>
+            </a:endParaRPr>
+          </a:p>
+          <a:p>
+            <a:pPr marL="457200" lvl="1" indent="0">
+              <a:buNone/>
+            </a:pPr>
+            <a:r>
+              <a:rPr lang="en-US" dirty="0">
+                <a:solidFill>
+                  <a:srgbClr val="BBBBBB"/>
+                </a:solidFill>
+                <a:latin typeface="Courier" pitchFamily="2" charset="0"/>
+              </a:rPr>
+              <a:t>  </a:t>
+            </a:r>
+            <a:r>
+              <a:rPr lang="en-US" dirty="0">
+                <a:solidFill>
+                  <a:srgbClr val="000000"/>
+                </a:solidFill>
+                <a:latin typeface="Courier" pitchFamily="2" charset="0"/>
+              </a:rPr>
+              <a:t>the-row</a:t>
+            </a:r>
+            <a:r>
+              <a:rPr lang="en-US" dirty="0">
+                <a:solidFill>
+                  <a:srgbClr val="BBBBBB"/>
+                </a:solidFill>
+                <a:latin typeface="Courier" pitchFamily="2" charset="0"/>
+              </a:rPr>
+              <a:t>         </a:t>
+            </a:r>
+            <a:r>
+              <a:rPr lang="en-US" i="1" dirty="0">
+                <a:solidFill>
+                  <a:srgbClr val="408080"/>
+                </a:solidFill>
+                <a:latin typeface="Courier" pitchFamily="2" charset="0"/>
+              </a:rPr>
+              <a:t>;;used in export-data. it is the row being written</a:t>
+            </a:r>
+            <a:endParaRPr lang="en-US" dirty="0">
+              <a:solidFill>
+                <a:srgbClr val="408080"/>
+              </a:solidFill>
+              <a:latin typeface="Courier" pitchFamily="2" charset="0"/>
+            </a:endParaRPr>
+          </a:p>
+          <a:p>
+            <a:pPr marL="457200" lvl="1" indent="0">
+              <a:buNone/>
+            </a:pPr>
+            <a:r>
+              <a:rPr lang="en-US" dirty="0">
+                <a:solidFill>
+                  <a:srgbClr val="BBBBBB"/>
+                </a:solidFill>
+                <a:latin typeface="Courier" pitchFamily="2" charset="0"/>
+              </a:rPr>
+              <a:t>  </a:t>
+            </a:r>
+            <a:r>
+              <a:rPr lang="en-US" dirty="0" err="1">
+                <a:latin typeface="Courier" pitchFamily="2" charset="0"/>
+              </a:rPr>
+              <a:t>list_of_rain_amount</a:t>
+            </a:r>
+            <a:endParaRPr lang="en-US" dirty="0">
+              <a:latin typeface="Courier" pitchFamily="2" charset="0"/>
+            </a:endParaRPr>
+          </a:p>
+          <a:p>
+            <a:pPr marL="457200" lvl="1" indent="0">
+              <a:buNone/>
+            </a:pPr>
+            <a:r>
+              <a:rPr lang="en-US" b="1" dirty="0">
+                <a:solidFill>
+                  <a:srgbClr val="0000FF"/>
+                </a:solidFill>
+                <a:latin typeface="Courier" pitchFamily="2" charset="0"/>
+              </a:rPr>
+              <a:t>]</a:t>
+            </a:r>
+            <a:endParaRPr lang="en-US" dirty="0">
+              <a:solidFill>
+                <a:srgbClr val="0000FF"/>
+              </a:solidFill>
+              <a:latin typeface="Courier" pitchFamily="2" charset="0"/>
+            </a:endParaRPr>
+          </a:p>
+          <a:p>
+            <a:pPr marL="457200" lvl="1" indent="0">
+              <a:buNone/>
+            </a:pPr>
+            <a:br>
+              <a:rPr lang="en-US" dirty="0">
+                <a:solidFill>
+                  <a:srgbClr val="BBBBBB"/>
+                </a:solidFill>
+                <a:latin typeface="Courier" pitchFamily="2" charset="0"/>
+              </a:rPr>
+            </a:br>
+            <a:endParaRPr lang="en-US" dirty="0">
+              <a:solidFill>
+                <a:srgbClr val="BBBBBB"/>
+              </a:solidFill>
+              <a:latin typeface="Courier" pitchFamily="2" charset="0"/>
+            </a:endParaRPr>
+          </a:p>
+          <a:p>
+            <a:pPr marL="457200" lvl="1" indent="0">
+              <a:buNone/>
+            </a:pPr>
+            <a:r>
+              <a:rPr lang="en-US" b="1" dirty="0">
+                <a:solidFill>
+                  <a:srgbClr val="008000"/>
+                </a:solidFill>
+                <a:latin typeface="Courier" pitchFamily="2" charset="0"/>
+              </a:rPr>
+              <a:t>patches-own</a:t>
+            </a:r>
+            <a:r>
+              <a:rPr lang="en-US" dirty="0">
+                <a:solidFill>
+                  <a:srgbClr val="BBBBBB"/>
+                </a:solidFill>
+                <a:latin typeface="Courier" pitchFamily="2" charset="0"/>
+              </a:rPr>
+              <a:t> </a:t>
+            </a:r>
+            <a:r>
+              <a:rPr lang="en-US" b="1" dirty="0">
+                <a:solidFill>
+                  <a:srgbClr val="0000FF"/>
+                </a:solidFill>
+                <a:latin typeface="Courier" pitchFamily="2" charset="0"/>
+              </a:rPr>
+              <a:t>[</a:t>
+            </a:r>
+            <a:endParaRPr lang="en-US" dirty="0">
+              <a:solidFill>
+                <a:srgbClr val="008000"/>
+              </a:solidFill>
+              <a:latin typeface="Courier" pitchFamily="2" charset="0"/>
+            </a:endParaRPr>
+          </a:p>
+          <a:p>
+            <a:pPr marL="457200" lvl="1" indent="0">
+              <a:buNone/>
+            </a:pPr>
+            <a:r>
+              <a:rPr lang="en-US" dirty="0">
+                <a:solidFill>
+                  <a:srgbClr val="BBBBBB"/>
+                </a:solidFill>
+                <a:latin typeface="Courier" pitchFamily="2" charset="0"/>
+              </a:rPr>
+              <a:t>  </a:t>
+            </a:r>
+            <a:r>
+              <a:rPr lang="en-US" dirty="0">
+                <a:latin typeface="Courier" pitchFamily="2" charset="0"/>
+              </a:rPr>
+              <a:t>elevation</a:t>
+            </a:r>
+          </a:p>
+          <a:p>
+            <a:pPr marL="457200" lvl="1" indent="0">
+              <a:buNone/>
+            </a:pPr>
+            <a:r>
+              <a:rPr lang="en-US" dirty="0">
+                <a:solidFill>
+                  <a:srgbClr val="BBBBBB"/>
+                </a:solidFill>
+                <a:latin typeface="Courier" pitchFamily="2" charset="0"/>
+              </a:rPr>
+              <a:t>  </a:t>
+            </a:r>
+            <a:r>
+              <a:rPr lang="en-US" dirty="0" err="1">
+                <a:latin typeface="Courier" pitchFamily="2" charset="0"/>
+              </a:rPr>
+              <a:t>initial_elevation</a:t>
+            </a:r>
+            <a:endParaRPr lang="en-US" dirty="0">
+              <a:latin typeface="Courier" pitchFamily="2" charset="0"/>
+            </a:endParaRPr>
+          </a:p>
+          <a:p>
+            <a:pPr marL="457200" lvl="1" indent="0">
+              <a:buNone/>
+            </a:pPr>
+            <a:r>
+              <a:rPr lang="en-US" dirty="0">
+                <a:solidFill>
+                  <a:srgbClr val="BBBBBB"/>
+                </a:solidFill>
+                <a:latin typeface="Courier" pitchFamily="2" charset="0"/>
+              </a:rPr>
+              <a:t>  </a:t>
+            </a:r>
+            <a:r>
+              <a:rPr lang="en-US" dirty="0" err="1">
+                <a:latin typeface="Courier" pitchFamily="2" charset="0"/>
+              </a:rPr>
+              <a:t>elevation_change</a:t>
+            </a:r>
+            <a:endParaRPr lang="en-US" dirty="0">
+              <a:latin typeface="Courier" pitchFamily="2" charset="0"/>
+            </a:endParaRPr>
+          </a:p>
+          <a:p>
+            <a:pPr marL="457200" lvl="1" indent="0">
+              <a:buNone/>
+            </a:pPr>
+            <a:r>
+              <a:rPr lang="en-US" dirty="0">
+                <a:solidFill>
+                  <a:srgbClr val="BBBBBB"/>
+                </a:solidFill>
+                <a:latin typeface="Courier" pitchFamily="2" charset="0"/>
+              </a:rPr>
+              <a:t>  </a:t>
+            </a:r>
+            <a:r>
+              <a:rPr lang="en-US" dirty="0" err="1">
+                <a:solidFill>
+                  <a:srgbClr val="000000"/>
+                </a:solidFill>
+                <a:latin typeface="Courier" pitchFamily="2" charset="0"/>
+              </a:rPr>
+              <a:t>amount_rain</a:t>
+            </a:r>
+            <a:r>
+              <a:rPr lang="en-US" dirty="0">
+                <a:solidFill>
+                  <a:srgbClr val="BBBBBB"/>
+                </a:solidFill>
+                <a:latin typeface="Courier" pitchFamily="2" charset="0"/>
+              </a:rPr>
+              <a:t>   </a:t>
+            </a:r>
+            <a:r>
+              <a:rPr lang="en-US" i="1" dirty="0">
+                <a:solidFill>
+                  <a:srgbClr val="408080"/>
+                </a:solidFill>
+                <a:latin typeface="Courier" pitchFamily="2" charset="0"/>
+              </a:rPr>
+              <a:t>;;how many drops of rain here</a:t>
+            </a:r>
+            <a:endParaRPr lang="en-US" dirty="0">
+              <a:solidFill>
+                <a:srgbClr val="408080"/>
+              </a:solidFill>
+              <a:latin typeface="Courier" pitchFamily="2" charset="0"/>
+            </a:endParaRPr>
+          </a:p>
+          <a:p>
+            <a:pPr marL="457200" lvl="1" indent="0">
+              <a:buNone/>
+            </a:pPr>
+            <a:r>
+              <a:rPr lang="en-US" b="1" dirty="0">
+                <a:solidFill>
+                  <a:srgbClr val="0000FF"/>
+                </a:solidFill>
+                <a:latin typeface="Courier" pitchFamily="2" charset="0"/>
+              </a:rPr>
+              <a:t>]</a:t>
+            </a:r>
+            <a:endParaRPr lang="en-US" dirty="0">
+              <a:solidFill>
+                <a:srgbClr val="0000FF"/>
+              </a:solidFill>
+              <a:latin typeface="Courier" pitchFamily="2" charset="0"/>
+            </a:endParaRPr>
+          </a:p>
+          <a:p>
+            <a:pPr marL="0" indent="0">
+              <a:buNone/>
+            </a:pPr>
+            <a:endParaRPr lang="en-US" dirty="0"/>
+          </a:p>
+        </p:txBody>
+      </p:sp>
+    </p:spTree>
+    <p:extLst>
+      <p:ext uri="{BB962C8B-B14F-4D97-AF65-F5344CB8AC3E}">
+        <p14:creationId xmlns:p14="http://schemas.microsoft.com/office/powerpoint/2010/main" val="3178458998"/>
       </p:ext>
     </p:extLst>
   </p:cSld>

--- a/Chapter06-IntegratingABMandGIS/Chapter6_Tutorial.pptx
+++ b/Chapter06-IntegratingABMandGIS/Chapter6_Tutorial.pptx
@@ -5,18 +5,13 @@
     <p:sldMasterId id="2147483648" r:id="rId1"/>
   </p:sldMasterIdLst>
   <p:notesMasterIdLst>
-    <p:notesMasterId r:id="rId11"/>
+    <p:notesMasterId r:id="rId6"/>
   </p:notesMasterIdLst>
   <p:sldIdLst>
     <p:sldId id="258" r:id="rId2"/>
     <p:sldId id="259" r:id="rId3"/>
     <p:sldId id="260" r:id="rId4"/>
     <p:sldId id="298" r:id="rId5"/>
-    <p:sldId id="299" r:id="rId6"/>
-    <p:sldId id="300" r:id="rId7"/>
-    <p:sldId id="301" r:id="rId8"/>
-    <p:sldId id="302" r:id="rId9"/>
-    <p:sldId id="303" r:id="rId10"/>
   </p:sldIdLst>
   <p:sldSz cx="12192000" cy="6858000"/>
   <p:notesSz cx="6858000" cy="9144000"/>
@@ -4046,7 +4041,14 @@
           <a:bodyPr/>
           <a:lstStyle/>
           <a:p>
-            <a:endParaRPr lang="en-GB"/>
+            <a:r>
+              <a:rPr lang="en-GB" dirty="0"/>
+              <a:t>Add Segregation Model </a:t>
+            </a:r>
+            <a:r>
+              <a:rPr lang="en-GB"/>
+              <a:t>(Text Box 6.5 etc)</a:t>
+            </a:r>
           </a:p>
         </p:txBody>
       </p:sp>
@@ -4536,1356 +4538,6 @@
     <p:extLst>
       <p:ext uri="{BB962C8B-B14F-4D97-AF65-F5344CB8AC3E}">
         <p14:creationId xmlns:p14="http://schemas.microsoft.com/office/powerpoint/2010/main" val="4114771015"/>
-      </p:ext>
-    </p:extLst>
-  </p:cSld>
-  <p:clrMapOvr>
-    <a:masterClrMapping/>
-  </p:clrMapOvr>
-</p:sld>
-</file>
-
-<file path=ppt/slides/slide5.xml><?xml version="1.0" encoding="utf-8"?>
-<p:sld xmlns:a="http://schemas.openxmlformats.org/drawingml/2006/main" xmlns:r="http://schemas.openxmlformats.org/officeDocument/2006/relationships" xmlns:p="http://schemas.openxmlformats.org/presentationml/2006/main">
-  <p:cSld>
-    <p:spTree>
-      <p:nvGrpSpPr>
-        <p:cNvPr id="1" name=""/>
-        <p:cNvGrpSpPr/>
-        <p:nvPr/>
-      </p:nvGrpSpPr>
-      <p:grpSpPr>
-        <a:xfrm>
-          <a:off x="0" y="0"/>
-          <a:ext cx="0" cy="0"/>
-          <a:chOff x="0" y="0"/>
-          <a:chExt cx="0" cy="0"/>
-        </a:xfrm>
-      </p:grpSpPr>
-      <p:sp>
-        <p:nvSpPr>
-          <p:cNvPr id="2" name="Title 1">
-            <a:extLst>
-              <a:ext uri="{FF2B5EF4-FFF2-40B4-BE49-F238E27FC236}">
-                <a16:creationId xmlns:a16="http://schemas.microsoft.com/office/drawing/2014/main" id="{DD8B7564-773A-D54C-83C1-2FD46DF3BF6C}"/>
-              </a:ext>
-            </a:extLst>
-          </p:cNvPr>
-          <p:cNvSpPr>
-            <a:spLocks noGrp="1"/>
-          </p:cNvSpPr>
-          <p:nvPr>
-            <p:ph type="title"/>
-          </p:nvPr>
-        </p:nvSpPr>
-        <p:spPr/>
-        <p:txBody>
-          <a:bodyPr/>
-          <a:lstStyle/>
-          <a:p>
-            <a:endParaRPr lang="en-US"/>
-          </a:p>
-        </p:txBody>
-      </p:sp>
-      <p:sp>
-        <p:nvSpPr>
-          <p:cNvPr id="3" name="Content Placeholder 2">
-            <a:extLst>
-              <a:ext uri="{FF2B5EF4-FFF2-40B4-BE49-F238E27FC236}">
-                <a16:creationId xmlns:a16="http://schemas.microsoft.com/office/drawing/2014/main" id="{52569571-178C-9040-BEB5-D058466BE80F}"/>
-              </a:ext>
-            </a:extLst>
-          </p:cNvPr>
-          <p:cNvSpPr>
-            <a:spLocks noGrp="1"/>
-          </p:cNvSpPr>
-          <p:nvPr>
-            <p:ph idx="1"/>
-          </p:nvPr>
-        </p:nvSpPr>
-        <p:spPr/>
-        <p:txBody>
-          <a:bodyPr>
-            <a:normAutofit/>
-          </a:bodyPr>
-          <a:lstStyle/>
-          <a:p>
-            <a:r>
-              <a:rPr lang="en-US" dirty="0"/>
-              <a:t>It is also necessary to define some global variables and some turtle and patch variables. </a:t>
-            </a:r>
-          </a:p>
-          <a:p>
-            <a:r>
-              <a:rPr lang="en-US" dirty="0"/>
-              <a:t>In particular, note the </a:t>
-            </a:r>
-            <a:r>
-              <a:rPr lang="en-US" dirty="0">
-                <a:latin typeface="Courier" pitchFamily="2" charset="0"/>
-              </a:rPr>
-              <a:t>elevation-dataset</a:t>
-            </a:r>
-            <a:r>
-              <a:rPr lang="en-US" dirty="0"/>
-              <a:t> global variable (this is used to store the raster GIS data) and the </a:t>
-            </a:r>
-            <a:r>
-              <a:rPr lang="en-US" dirty="0">
-                <a:latin typeface="Courier" pitchFamily="2" charset="0"/>
-              </a:rPr>
-              <a:t>elevation</a:t>
-            </a:r>
-            <a:r>
-              <a:rPr lang="en-US" dirty="0"/>
-              <a:t> patch variables (these are used to keep track of the initial elevation and current elevation once water starts to flow onto each patch).</a:t>
-            </a:r>
-          </a:p>
-          <a:p>
-            <a:r>
-              <a:rPr lang="en-US" dirty="0"/>
-              <a:t>Next it is necessary to read the DEM data. They are stored as an .</a:t>
-            </a:r>
-            <a:r>
-              <a:rPr lang="en-US" dirty="0" err="1"/>
-              <a:t>asc</a:t>
-            </a:r>
-            <a:r>
-              <a:rPr lang="en-US" dirty="0"/>
-              <a:t> file. This is a common raster format used by most GIS applications</a:t>
-            </a:r>
-          </a:p>
-        </p:txBody>
-      </p:sp>
-    </p:spTree>
-    <p:extLst>
-      <p:ext uri="{BB962C8B-B14F-4D97-AF65-F5344CB8AC3E}">
-        <p14:creationId xmlns:p14="http://schemas.microsoft.com/office/powerpoint/2010/main" val="1645371814"/>
-      </p:ext>
-    </p:extLst>
-  </p:cSld>
-  <p:clrMapOvr>
-    <a:masterClrMapping/>
-  </p:clrMapOvr>
-</p:sld>
-</file>
-
-<file path=ppt/slides/slide6.xml><?xml version="1.0" encoding="utf-8"?>
-<p:sld xmlns:a="http://schemas.openxmlformats.org/drawingml/2006/main" xmlns:r="http://schemas.openxmlformats.org/officeDocument/2006/relationships" xmlns:p="http://schemas.openxmlformats.org/presentationml/2006/main">
-  <p:cSld>
-    <p:spTree>
-      <p:nvGrpSpPr>
-        <p:cNvPr id="1" name=""/>
-        <p:cNvGrpSpPr/>
-        <p:nvPr/>
-      </p:nvGrpSpPr>
-      <p:grpSpPr>
-        <a:xfrm>
-          <a:off x="0" y="0"/>
-          <a:ext cx="0" cy="0"/>
-          <a:chOff x="0" y="0"/>
-          <a:chExt cx="0" cy="0"/>
-        </a:xfrm>
-      </p:grpSpPr>
-      <p:sp>
-        <p:nvSpPr>
-          <p:cNvPr id="2" name="Title 1">
-            <a:extLst>
-              <a:ext uri="{FF2B5EF4-FFF2-40B4-BE49-F238E27FC236}">
-                <a16:creationId xmlns:a16="http://schemas.microsoft.com/office/drawing/2014/main" id="{D860DF82-6040-6D4C-9F90-0438B34C1C7E}"/>
-              </a:ext>
-            </a:extLst>
-          </p:cNvPr>
-          <p:cNvSpPr>
-            <a:spLocks noGrp="1"/>
-          </p:cNvSpPr>
-          <p:nvPr>
-            <p:ph type="title"/>
-          </p:nvPr>
-        </p:nvSpPr>
-        <p:spPr/>
-        <p:txBody>
-          <a:bodyPr/>
-          <a:lstStyle/>
-          <a:p>
-            <a:endParaRPr lang="en-US"/>
-          </a:p>
-        </p:txBody>
-      </p:sp>
-      <p:sp>
-        <p:nvSpPr>
-          <p:cNvPr id="3" name="Content Placeholder 2">
-            <a:extLst>
-              <a:ext uri="{FF2B5EF4-FFF2-40B4-BE49-F238E27FC236}">
-                <a16:creationId xmlns:a16="http://schemas.microsoft.com/office/drawing/2014/main" id="{8FCD4CE7-234E-704E-978D-ED3EC2A74325}"/>
-              </a:ext>
-            </a:extLst>
-          </p:cNvPr>
-          <p:cNvSpPr>
-            <a:spLocks noGrp="1"/>
-          </p:cNvSpPr>
-          <p:nvPr>
-            <p:ph idx="1"/>
-          </p:nvPr>
-        </p:nvSpPr>
-        <p:spPr>
-          <a:xfrm>
-            <a:off x="838200" y="1825625"/>
-            <a:ext cx="10515600" cy="2575687"/>
-          </a:xfrm>
-        </p:spPr>
-        <p:txBody>
-          <a:bodyPr>
-            <a:normAutofit fontScale="92500" lnSpcReduction="10000"/>
-          </a:bodyPr>
-          <a:lstStyle/>
-          <a:p>
-            <a:r>
-              <a:rPr lang="en-US" dirty="0"/>
-              <a:t>To load the DEM data into NetLogo it is first necessary to resize the model environment so that there is precisely one NetLogo patch per raster pixel.</a:t>
-            </a:r>
-          </a:p>
-          <a:p>
-            <a:r>
-              <a:rPr lang="en-US" dirty="0"/>
-              <a:t>It is possible to find the number of rows and columns in a raster data set using a GIS, but the process is even simpler with .</a:t>
-            </a:r>
-            <a:r>
-              <a:rPr lang="en-US" dirty="0" err="1"/>
-              <a:t>asc</a:t>
-            </a:r>
-            <a:r>
-              <a:rPr lang="en-US" dirty="0"/>
-              <a:t> files. </a:t>
-            </a:r>
-          </a:p>
-          <a:p>
-            <a:r>
-              <a:rPr lang="en-US" dirty="0"/>
-              <a:t>The first few lines of the file provide some information about the rest of the data. For example, the first six lines of the </a:t>
-            </a:r>
-            <a:r>
-              <a:rPr lang="en-US" dirty="0" err="1"/>
-              <a:t>elevation.asc</a:t>
-            </a:r>
-            <a:r>
-              <a:rPr lang="en-US" dirty="0"/>
-              <a:t> file, which we will read here, contain the following:</a:t>
-            </a:r>
-          </a:p>
-        </p:txBody>
-      </p:sp>
-      <p:pic>
-        <p:nvPicPr>
-          <p:cNvPr id="5" name="Picture 4" descr="A screenshot of a cell phone&#10;&#10;Description automatically generated">
-            <a:extLst>
-              <a:ext uri="{FF2B5EF4-FFF2-40B4-BE49-F238E27FC236}">
-                <a16:creationId xmlns:a16="http://schemas.microsoft.com/office/drawing/2014/main" id="{26DF7B82-E9EF-F24D-B084-24B1C86B0E24}"/>
-              </a:ext>
-            </a:extLst>
-          </p:cNvPr>
-          <p:cNvPicPr>
-            <a:picLocks noChangeAspect="1"/>
-          </p:cNvPicPr>
-          <p:nvPr/>
-        </p:nvPicPr>
-        <p:blipFill>
-          <a:blip r:embed="rId2"/>
-          <a:stretch>
-            <a:fillRect/>
-          </a:stretch>
-        </p:blipFill>
-        <p:spPr>
-          <a:xfrm>
-            <a:off x="4156201" y="4536249"/>
-            <a:ext cx="3633132" cy="2142616"/>
-          </a:xfrm>
-          <a:prstGeom prst="rect">
-            <a:avLst/>
-          </a:prstGeom>
-        </p:spPr>
-      </p:pic>
-    </p:spTree>
-    <p:extLst>
-      <p:ext uri="{BB962C8B-B14F-4D97-AF65-F5344CB8AC3E}">
-        <p14:creationId xmlns:p14="http://schemas.microsoft.com/office/powerpoint/2010/main" val="3851111066"/>
-      </p:ext>
-    </p:extLst>
-  </p:cSld>
-  <p:clrMapOvr>
-    <a:masterClrMapping/>
-  </p:clrMapOvr>
-</p:sld>
-</file>
-
-<file path=ppt/slides/slide7.xml><?xml version="1.0" encoding="utf-8"?>
-<p:sld xmlns:a="http://schemas.openxmlformats.org/drawingml/2006/main" xmlns:r="http://schemas.openxmlformats.org/officeDocument/2006/relationships" xmlns:p="http://schemas.openxmlformats.org/presentationml/2006/main">
-  <p:cSld>
-    <p:spTree>
-      <p:nvGrpSpPr>
-        <p:cNvPr id="1" name=""/>
-        <p:cNvGrpSpPr/>
-        <p:nvPr/>
-      </p:nvGrpSpPr>
-      <p:grpSpPr>
-        <a:xfrm>
-          <a:off x="0" y="0"/>
-          <a:ext cx="0" cy="0"/>
-          <a:chOff x="0" y="0"/>
-          <a:chExt cx="0" cy="0"/>
-        </a:xfrm>
-      </p:grpSpPr>
-      <p:sp>
-        <p:nvSpPr>
-          <p:cNvPr id="2" name="Title 1">
-            <a:extLst>
-              <a:ext uri="{FF2B5EF4-FFF2-40B4-BE49-F238E27FC236}">
-                <a16:creationId xmlns:a16="http://schemas.microsoft.com/office/drawing/2014/main" id="{FA01F051-81A2-E346-B999-B6B5BC8B8677}"/>
-              </a:ext>
-            </a:extLst>
-          </p:cNvPr>
-          <p:cNvSpPr>
-            <a:spLocks noGrp="1"/>
-          </p:cNvSpPr>
-          <p:nvPr>
-            <p:ph type="title"/>
-          </p:nvPr>
-        </p:nvSpPr>
-        <p:spPr/>
-        <p:txBody>
-          <a:bodyPr/>
-          <a:lstStyle/>
-          <a:p>
-            <a:endParaRPr lang="en-US"/>
-          </a:p>
-        </p:txBody>
-      </p:sp>
-      <p:sp>
-        <p:nvSpPr>
-          <p:cNvPr id="3" name="Content Placeholder 2">
-            <a:extLst>
-              <a:ext uri="{FF2B5EF4-FFF2-40B4-BE49-F238E27FC236}">
-                <a16:creationId xmlns:a16="http://schemas.microsoft.com/office/drawing/2014/main" id="{59E07EDB-A3F8-B743-8463-823C8F55C59A}"/>
-              </a:ext>
-            </a:extLst>
-          </p:cNvPr>
-          <p:cNvSpPr>
-            <a:spLocks noGrp="1"/>
-          </p:cNvSpPr>
-          <p:nvPr>
-            <p:ph idx="1"/>
-          </p:nvPr>
-        </p:nvSpPr>
-        <p:spPr/>
-        <p:txBody>
-          <a:bodyPr>
-            <a:normAutofit lnSpcReduction="10000"/>
-          </a:bodyPr>
-          <a:lstStyle/>
-          <a:p>
-            <a:r>
-              <a:rPr lang="en-US" dirty="0"/>
-              <a:t>The first two lines declare the number of columns and rows of pixels. Therefore the NetLogo environment must be resized so that it has exactly that many rows and pixels. </a:t>
-            </a:r>
-          </a:p>
-          <a:p>
-            <a:r>
-              <a:rPr lang="en-US" dirty="0"/>
-              <a:t>In this example we would like the origin to remain in the </a:t>
-            </a:r>
-            <a:r>
-              <a:rPr lang="en-US" dirty="0" err="1"/>
-              <a:t>centre</a:t>
-            </a:r>
-            <a:r>
-              <a:rPr lang="en-US" dirty="0"/>
-              <a:t> of the world, hence it can be resized as follows:</a:t>
-            </a:r>
-          </a:p>
-          <a:p>
-            <a:pPr marL="0" indent="0">
-              <a:buNone/>
-            </a:pPr>
-            <a:r>
-              <a:rPr lang="en-US" dirty="0">
-                <a:solidFill>
-                  <a:srgbClr val="BBBBBB"/>
-                </a:solidFill>
-                <a:latin typeface="Courier" pitchFamily="2" charset="0"/>
-              </a:rPr>
-              <a:t>  </a:t>
-            </a:r>
-            <a:r>
-              <a:rPr lang="en-US" b="1" dirty="0">
-                <a:solidFill>
-                  <a:srgbClr val="008000"/>
-                </a:solidFill>
-                <a:latin typeface="Courier" pitchFamily="2" charset="0"/>
-              </a:rPr>
-              <a:t>resize-world</a:t>
-            </a:r>
-            <a:r>
-              <a:rPr lang="en-US" dirty="0">
-                <a:solidFill>
-                  <a:srgbClr val="BBBBBB"/>
-                </a:solidFill>
-                <a:latin typeface="Courier" pitchFamily="2" charset="0"/>
-              </a:rPr>
-              <a:t> </a:t>
-            </a:r>
-            <a:r>
-              <a:rPr lang="en-US" dirty="0">
-                <a:solidFill>
-                  <a:srgbClr val="000000"/>
-                </a:solidFill>
-                <a:latin typeface="Courier" pitchFamily="2" charset="0"/>
-              </a:rPr>
-              <a:t>-142</a:t>
-            </a:r>
-            <a:r>
-              <a:rPr lang="en-US" dirty="0">
-                <a:solidFill>
-                  <a:srgbClr val="BBBBBB"/>
-                </a:solidFill>
-                <a:latin typeface="Courier" pitchFamily="2" charset="0"/>
-              </a:rPr>
-              <a:t> </a:t>
-            </a:r>
-            <a:r>
-              <a:rPr lang="en-US" dirty="0">
-                <a:solidFill>
-                  <a:srgbClr val="666666"/>
-                </a:solidFill>
-                <a:latin typeface="Courier" pitchFamily="2" charset="0"/>
-              </a:rPr>
-              <a:t>142</a:t>
-            </a:r>
-            <a:r>
-              <a:rPr lang="en-US" dirty="0">
-                <a:solidFill>
-                  <a:srgbClr val="BBBBBB"/>
-                </a:solidFill>
-                <a:latin typeface="Courier" pitchFamily="2" charset="0"/>
-              </a:rPr>
-              <a:t> </a:t>
-            </a:r>
-            <a:r>
-              <a:rPr lang="en-US" dirty="0">
-                <a:solidFill>
-                  <a:srgbClr val="000000"/>
-                </a:solidFill>
-                <a:latin typeface="Courier" pitchFamily="2" charset="0"/>
-              </a:rPr>
-              <a:t>-71</a:t>
-            </a:r>
-            <a:r>
-              <a:rPr lang="en-US" dirty="0">
-                <a:solidFill>
-                  <a:srgbClr val="BBBBBB"/>
-                </a:solidFill>
-                <a:latin typeface="Courier" pitchFamily="2" charset="0"/>
-              </a:rPr>
-              <a:t> </a:t>
-            </a:r>
-            <a:r>
-              <a:rPr lang="en-US" dirty="0">
-                <a:solidFill>
-                  <a:srgbClr val="666666"/>
-                </a:solidFill>
-                <a:latin typeface="Courier" pitchFamily="2" charset="0"/>
-              </a:rPr>
-              <a:t>71</a:t>
-            </a:r>
-            <a:endParaRPr lang="en-US" dirty="0"/>
-          </a:p>
-          <a:p>
-            <a:r>
-              <a:rPr lang="en-US" dirty="0"/>
-              <a:t>Following this, the envelope needs to be configured so that it will map exactly on to the raster GIS data extent (refer to the </a:t>
-            </a:r>
-            <a:r>
-              <a:rPr lang="en-US" dirty="0" err="1"/>
-              <a:t>gis:set-world-envelope</a:t>
-            </a:r>
-            <a:r>
-              <a:rPr lang="en-US" dirty="0"/>
-              <a:t> documentation for more information).</a:t>
-            </a:r>
-          </a:p>
-          <a:p>
-            <a:pPr marL="457200" lvl="1" indent="0">
-              <a:buNone/>
-            </a:pPr>
-            <a:r>
-              <a:rPr lang="en-US" b="1" dirty="0" err="1">
-                <a:solidFill>
-                  <a:srgbClr val="008000"/>
-                </a:solidFill>
-                <a:latin typeface="Courier" pitchFamily="2" charset="0"/>
-              </a:rPr>
-              <a:t>gis:set-world-envelope</a:t>
-            </a:r>
-            <a:r>
-              <a:rPr lang="en-US" dirty="0">
-                <a:solidFill>
-                  <a:srgbClr val="BBBBBB"/>
-                </a:solidFill>
-                <a:latin typeface="Courier" pitchFamily="2" charset="0"/>
-              </a:rPr>
-              <a:t> </a:t>
-            </a:r>
-            <a:r>
-              <a:rPr lang="en-US" dirty="0" err="1">
-                <a:solidFill>
-                  <a:srgbClr val="0000FF"/>
-                </a:solidFill>
-                <a:latin typeface="Courier" pitchFamily="2" charset="0"/>
-              </a:rPr>
-              <a:t>gis:envelope-of</a:t>
-            </a:r>
-            <a:r>
-              <a:rPr lang="en-US" dirty="0">
-                <a:solidFill>
-                  <a:srgbClr val="BBBBBB"/>
-                </a:solidFill>
-                <a:latin typeface="Courier" pitchFamily="2" charset="0"/>
-              </a:rPr>
-              <a:t> </a:t>
-            </a:r>
-            <a:r>
-              <a:rPr lang="en-US" dirty="0">
-                <a:solidFill>
-                  <a:srgbClr val="000000"/>
-                </a:solidFill>
-                <a:latin typeface="Courier" pitchFamily="2" charset="0"/>
-              </a:rPr>
-              <a:t>elevation-dataset</a:t>
-            </a:r>
-          </a:p>
-        </p:txBody>
-      </p:sp>
-    </p:spTree>
-    <p:extLst>
-      <p:ext uri="{BB962C8B-B14F-4D97-AF65-F5344CB8AC3E}">
-        <p14:creationId xmlns:p14="http://schemas.microsoft.com/office/powerpoint/2010/main" val="1989348196"/>
-      </p:ext>
-    </p:extLst>
-  </p:cSld>
-  <p:clrMapOvr>
-    <a:masterClrMapping/>
-  </p:clrMapOvr>
-</p:sld>
-</file>
-
-<file path=ppt/slides/slide8.xml><?xml version="1.0" encoding="utf-8"?>
-<p:sld xmlns:a="http://schemas.openxmlformats.org/drawingml/2006/main" xmlns:r="http://schemas.openxmlformats.org/officeDocument/2006/relationships" xmlns:p="http://schemas.openxmlformats.org/presentationml/2006/main">
-  <p:cSld>
-    <p:spTree>
-      <p:nvGrpSpPr>
-        <p:cNvPr id="1" name=""/>
-        <p:cNvGrpSpPr/>
-        <p:nvPr/>
-      </p:nvGrpSpPr>
-      <p:grpSpPr>
-        <a:xfrm>
-          <a:off x="0" y="0"/>
-          <a:ext cx="0" cy="0"/>
-          <a:chOff x="0" y="0"/>
-          <a:chExt cx="0" cy="0"/>
-        </a:xfrm>
-      </p:grpSpPr>
-      <p:sp>
-        <p:nvSpPr>
-          <p:cNvPr id="2" name="Title 1">
-            <a:extLst>
-              <a:ext uri="{FF2B5EF4-FFF2-40B4-BE49-F238E27FC236}">
-                <a16:creationId xmlns:a16="http://schemas.microsoft.com/office/drawing/2014/main" id="{74601275-8E4F-9643-8D10-4D65CC654DD0}"/>
-              </a:ext>
-            </a:extLst>
-          </p:cNvPr>
-          <p:cNvSpPr>
-            <a:spLocks noGrp="1"/>
-          </p:cNvSpPr>
-          <p:nvPr>
-            <p:ph type="title"/>
-          </p:nvPr>
-        </p:nvSpPr>
-        <p:spPr/>
-        <p:txBody>
-          <a:bodyPr/>
-          <a:lstStyle/>
-          <a:p>
-            <a:endParaRPr lang="en-US"/>
-          </a:p>
-        </p:txBody>
-      </p:sp>
-      <p:sp>
-        <p:nvSpPr>
-          <p:cNvPr id="3" name="Content Placeholder 2">
-            <a:extLst>
-              <a:ext uri="{FF2B5EF4-FFF2-40B4-BE49-F238E27FC236}">
-                <a16:creationId xmlns:a16="http://schemas.microsoft.com/office/drawing/2014/main" id="{603BFC84-1F1D-864C-83E8-D95E030D9C59}"/>
-              </a:ext>
-            </a:extLst>
-          </p:cNvPr>
-          <p:cNvSpPr>
-            <a:spLocks noGrp="1"/>
-          </p:cNvSpPr>
-          <p:nvPr>
-            <p:ph idx="1"/>
-          </p:nvPr>
-        </p:nvSpPr>
-        <p:spPr/>
-        <p:txBody>
-          <a:bodyPr/>
-          <a:lstStyle/>
-          <a:p>
-            <a:r>
-              <a:rPr lang="en-US" dirty="0"/>
-              <a:t>Then the two apply-raster commands read the value of each raster cell and store this value in the patches’ elevation and initial-elevation variables (to begin with the elevation and initial elevation are the same because the model has not simulated any water). In effect this creates the mapping between raster cells and NetLogo patches.</a:t>
-            </a:r>
-            <a:endParaRPr lang="en-US" b="1" dirty="0">
-              <a:solidFill>
-                <a:srgbClr val="008000"/>
-              </a:solidFill>
-              <a:latin typeface="Courier" pitchFamily="2" charset="0"/>
-            </a:endParaRPr>
-          </a:p>
-          <a:p>
-            <a:pPr marL="457200" lvl="1" indent="0">
-              <a:buNone/>
-            </a:pPr>
-            <a:r>
-              <a:rPr lang="en-US" b="1" dirty="0" err="1">
-                <a:solidFill>
-                  <a:srgbClr val="008000"/>
-                </a:solidFill>
-                <a:latin typeface="Courier" pitchFamily="2" charset="0"/>
-              </a:rPr>
-              <a:t>gis:apply-raster</a:t>
-            </a:r>
-            <a:r>
-              <a:rPr lang="en-US" dirty="0">
-                <a:solidFill>
-                  <a:srgbClr val="BBBBBB"/>
-                </a:solidFill>
-                <a:latin typeface="Courier" pitchFamily="2" charset="0"/>
-              </a:rPr>
-              <a:t> </a:t>
-            </a:r>
-            <a:r>
-              <a:rPr lang="en-US" dirty="0">
-                <a:latin typeface="Courier" pitchFamily="2" charset="0"/>
-              </a:rPr>
-              <a:t>elevation-dataset</a:t>
-            </a:r>
-            <a:r>
-              <a:rPr lang="en-US" dirty="0">
-                <a:solidFill>
-                  <a:srgbClr val="BBBBBB"/>
-                </a:solidFill>
-                <a:latin typeface="Courier" pitchFamily="2" charset="0"/>
-              </a:rPr>
-              <a:t> </a:t>
-            </a:r>
-            <a:r>
-              <a:rPr lang="en-US" dirty="0">
-                <a:latin typeface="Courier" pitchFamily="2" charset="0"/>
-              </a:rPr>
-              <a:t>elevation</a:t>
-            </a:r>
-            <a:endParaRPr lang="en-US" dirty="0">
-              <a:solidFill>
-                <a:srgbClr val="BBBBBB"/>
-              </a:solidFill>
-              <a:latin typeface="Courier" pitchFamily="2" charset="0"/>
-            </a:endParaRPr>
-          </a:p>
-          <a:p>
-            <a:pPr marL="457200" lvl="1" indent="0">
-              <a:buNone/>
-            </a:pPr>
-            <a:r>
-              <a:rPr lang="en-US" b="1" dirty="0" err="1">
-                <a:solidFill>
-                  <a:srgbClr val="008000"/>
-                </a:solidFill>
-                <a:latin typeface="Courier" pitchFamily="2" charset="0"/>
-              </a:rPr>
-              <a:t>gis:apply-raster</a:t>
-            </a:r>
-            <a:r>
-              <a:rPr lang="en-US" dirty="0">
-                <a:solidFill>
-                  <a:srgbClr val="BBBBBB"/>
-                </a:solidFill>
-                <a:latin typeface="Courier" pitchFamily="2" charset="0"/>
-              </a:rPr>
-              <a:t> </a:t>
-            </a:r>
-            <a:r>
-              <a:rPr lang="en-US" dirty="0">
-                <a:latin typeface="Courier" pitchFamily="2" charset="0"/>
-              </a:rPr>
-              <a:t>elevation-dataset</a:t>
-            </a:r>
-            <a:r>
-              <a:rPr lang="en-US" dirty="0">
-                <a:solidFill>
-                  <a:srgbClr val="BBBBBB"/>
-                </a:solidFill>
-                <a:latin typeface="Courier" pitchFamily="2" charset="0"/>
-              </a:rPr>
-              <a:t> </a:t>
-            </a:r>
-            <a:r>
-              <a:rPr lang="en-US" dirty="0" err="1">
-                <a:latin typeface="Courier" pitchFamily="2" charset="0"/>
-              </a:rPr>
-              <a:t>initial_elevation</a:t>
-            </a:r>
-            <a:endParaRPr lang="en-US" dirty="0">
-              <a:latin typeface="Courier" pitchFamily="2" charset="0"/>
-            </a:endParaRPr>
-          </a:p>
-          <a:p>
-            <a:endParaRPr lang="en-US" dirty="0"/>
-          </a:p>
-        </p:txBody>
-      </p:sp>
-    </p:spTree>
-    <p:extLst>
-      <p:ext uri="{BB962C8B-B14F-4D97-AF65-F5344CB8AC3E}">
-        <p14:creationId xmlns:p14="http://schemas.microsoft.com/office/powerpoint/2010/main" val="4259604143"/>
-      </p:ext>
-    </p:extLst>
-  </p:cSld>
-  <p:clrMapOvr>
-    <a:masterClrMapping/>
-  </p:clrMapOvr>
-</p:sld>
-</file>
-
-<file path=ppt/slides/slide9.xml><?xml version="1.0" encoding="utf-8"?>
-<p:sld xmlns:a="http://schemas.openxmlformats.org/drawingml/2006/main" xmlns:r="http://schemas.openxmlformats.org/officeDocument/2006/relationships" xmlns:p="http://schemas.openxmlformats.org/presentationml/2006/main">
-  <p:cSld>
-    <p:spTree>
-      <p:nvGrpSpPr>
-        <p:cNvPr id="1" name=""/>
-        <p:cNvGrpSpPr/>
-        <p:nvPr/>
-      </p:nvGrpSpPr>
-      <p:grpSpPr>
-        <a:xfrm>
-          <a:off x="0" y="0"/>
-          <a:ext cx="0" cy="0"/>
-          <a:chOff x="0" y="0"/>
-          <a:chExt cx="0" cy="0"/>
-        </a:xfrm>
-      </p:grpSpPr>
-      <p:sp>
-        <p:nvSpPr>
-          <p:cNvPr id="2" name="Title 1">
-            <a:extLst>
-              <a:ext uri="{FF2B5EF4-FFF2-40B4-BE49-F238E27FC236}">
-                <a16:creationId xmlns:a16="http://schemas.microsoft.com/office/drawing/2014/main" id="{653399E3-8AAE-7741-9E67-AC3DDF7FFD13}"/>
-              </a:ext>
-            </a:extLst>
-          </p:cNvPr>
-          <p:cNvSpPr>
-            <a:spLocks noGrp="1"/>
-          </p:cNvSpPr>
-          <p:nvPr>
-            <p:ph type="title"/>
-          </p:nvPr>
-        </p:nvSpPr>
-        <p:spPr/>
-        <p:txBody>
-          <a:bodyPr/>
-          <a:lstStyle/>
-          <a:p>
-            <a:endParaRPr lang="en-US"/>
-          </a:p>
-        </p:txBody>
-      </p:sp>
-      <p:sp>
-        <p:nvSpPr>
-          <p:cNvPr id="3" name="Content Placeholder 2">
-            <a:extLst>
-              <a:ext uri="{FF2B5EF4-FFF2-40B4-BE49-F238E27FC236}">
-                <a16:creationId xmlns:a16="http://schemas.microsoft.com/office/drawing/2014/main" id="{AF29209B-2D8A-8A41-9C0E-8CB73C8C4FD6}"/>
-              </a:ext>
-            </a:extLst>
-          </p:cNvPr>
-          <p:cNvSpPr>
-            <a:spLocks noGrp="1"/>
-          </p:cNvSpPr>
-          <p:nvPr>
-            <p:ph idx="1"/>
-          </p:nvPr>
-        </p:nvSpPr>
-        <p:spPr/>
-        <p:txBody>
-          <a:bodyPr>
-            <a:normAutofit fontScale="62500" lnSpcReduction="20000"/>
-          </a:bodyPr>
-          <a:lstStyle/>
-          <a:p>
-            <a:r>
-              <a:rPr lang="en-US" dirty="0"/>
-              <a:t>In effect “</a:t>
-            </a:r>
-            <a:r>
-              <a:rPr lang="en-US" dirty="0">
-                <a:latin typeface="Courier" pitchFamily="2" charset="0"/>
-              </a:rPr>
-              <a:t>elevation</a:t>
-            </a:r>
-            <a:r>
-              <a:rPr lang="en-US" dirty="0"/>
-              <a:t>” and  “</a:t>
-            </a:r>
-            <a:r>
-              <a:rPr lang="en-US" dirty="0" err="1">
-                <a:latin typeface="Courier" pitchFamily="2" charset="0"/>
-              </a:rPr>
-              <a:t>initial_elevation</a:t>
-            </a:r>
-            <a:r>
-              <a:rPr lang="en-US" dirty="0"/>
-              <a:t>”</a:t>
-            </a:r>
-            <a:r>
-              <a:rPr lang="en-US" dirty="0">
-                <a:latin typeface="Courier" pitchFamily="2" charset="0"/>
-              </a:rPr>
-              <a:t> </a:t>
-            </a:r>
-            <a:r>
-              <a:rPr lang="en-US" dirty="0"/>
-              <a:t>creates the mapping between raster cells and NetLogo patches.</a:t>
-            </a:r>
-          </a:p>
-          <a:p>
-            <a:pPr marL="457200" lvl="1" indent="0">
-              <a:buNone/>
-            </a:pPr>
-            <a:r>
-              <a:rPr lang="en-US" b="1" dirty="0" err="1">
-                <a:solidFill>
-                  <a:srgbClr val="008000"/>
-                </a:solidFill>
-                <a:latin typeface="Courier" pitchFamily="2" charset="0"/>
-              </a:rPr>
-              <a:t>globals</a:t>
-            </a:r>
-            <a:r>
-              <a:rPr lang="en-US" dirty="0">
-                <a:solidFill>
-                  <a:srgbClr val="BBBBBB"/>
-                </a:solidFill>
-                <a:latin typeface="Courier" pitchFamily="2" charset="0"/>
-              </a:rPr>
-              <a:t> </a:t>
-            </a:r>
-            <a:r>
-              <a:rPr lang="en-US" b="1" dirty="0">
-                <a:solidFill>
-                  <a:srgbClr val="0000FF"/>
-                </a:solidFill>
-                <a:latin typeface="Courier" pitchFamily="2" charset="0"/>
-              </a:rPr>
-              <a:t>[</a:t>
-            </a:r>
-            <a:endParaRPr lang="en-US" dirty="0">
-              <a:solidFill>
-                <a:srgbClr val="008000"/>
-              </a:solidFill>
-              <a:latin typeface="Courier" pitchFamily="2" charset="0"/>
-            </a:endParaRPr>
-          </a:p>
-          <a:p>
-            <a:pPr marL="457200" lvl="1" indent="0">
-              <a:buNone/>
-            </a:pPr>
-            <a:r>
-              <a:rPr lang="en-US" dirty="0">
-                <a:solidFill>
-                  <a:srgbClr val="BBBBBB"/>
-                </a:solidFill>
-                <a:latin typeface="Courier" pitchFamily="2" charset="0"/>
-              </a:rPr>
-              <a:t>  </a:t>
-            </a:r>
-            <a:r>
-              <a:rPr lang="en-US" dirty="0">
-                <a:latin typeface="Courier" pitchFamily="2" charset="0"/>
-              </a:rPr>
-              <a:t>elevation-dataset</a:t>
-            </a:r>
-          </a:p>
-          <a:p>
-            <a:pPr marL="457200" lvl="1" indent="0">
-              <a:buNone/>
-            </a:pPr>
-            <a:r>
-              <a:rPr lang="en-US" dirty="0">
-                <a:solidFill>
-                  <a:srgbClr val="BBBBBB"/>
-                </a:solidFill>
-                <a:latin typeface="Courier" pitchFamily="2" charset="0"/>
-              </a:rPr>
-              <a:t>  </a:t>
-            </a:r>
-            <a:r>
-              <a:rPr lang="en-US" dirty="0">
-                <a:solidFill>
-                  <a:srgbClr val="000000"/>
-                </a:solidFill>
-                <a:latin typeface="Courier" pitchFamily="2" charset="0"/>
-              </a:rPr>
-              <a:t>border</a:t>
-            </a:r>
-            <a:r>
-              <a:rPr lang="en-US" dirty="0">
-                <a:solidFill>
-                  <a:srgbClr val="BBBBBB"/>
-                </a:solidFill>
-                <a:latin typeface="Courier" pitchFamily="2" charset="0"/>
-              </a:rPr>
-              <a:t>          </a:t>
-            </a:r>
-            <a:r>
-              <a:rPr lang="en-US" i="1" dirty="0">
-                <a:solidFill>
-                  <a:srgbClr val="408080"/>
-                </a:solidFill>
-                <a:latin typeface="Courier" pitchFamily="2" charset="0"/>
-              </a:rPr>
-              <a:t>;; keep the patches around the edge in a global</a:t>
-            </a:r>
-            <a:endParaRPr lang="en-US" dirty="0">
-              <a:solidFill>
-                <a:srgbClr val="408080"/>
-              </a:solidFill>
-              <a:latin typeface="Courier" pitchFamily="2" charset="0"/>
-            </a:endParaRPr>
-          </a:p>
-          <a:p>
-            <a:pPr marL="457200" lvl="1" indent="0">
-              <a:buNone/>
-            </a:pPr>
-            <a:r>
-              <a:rPr lang="en-US" dirty="0">
-                <a:solidFill>
-                  <a:srgbClr val="BBBBBB"/>
-                </a:solidFill>
-                <a:latin typeface="Courier" pitchFamily="2" charset="0"/>
-              </a:rPr>
-              <a:t>                  </a:t>
-            </a:r>
-            <a:r>
-              <a:rPr lang="en-US" i="1" dirty="0">
-                <a:solidFill>
-                  <a:srgbClr val="408080"/>
-                </a:solidFill>
-                <a:latin typeface="Courier" pitchFamily="2" charset="0"/>
-              </a:rPr>
-              <a:t>;; so we don't ever have to ask patches in go</a:t>
-            </a:r>
-            <a:endParaRPr lang="en-US" dirty="0">
-              <a:solidFill>
-                <a:srgbClr val="408080"/>
-              </a:solidFill>
-              <a:latin typeface="Courier" pitchFamily="2" charset="0"/>
-            </a:endParaRPr>
-          </a:p>
-          <a:p>
-            <a:pPr marL="457200" lvl="1" indent="0">
-              <a:buNone/>
-            </a:pPr>
-            <a:r>
-              <a:rPr lang="en-US" dirty="0">
-                <a:solidFill>
-                  <a:srgbClr val="BBBBBB"/>
-                </a:solidFill>
-                <a:latin typeface="Courier" pitchFamily="2" charset="0"/>
-              </a:rPr>
-              <a:t>  </a:t>
-            </a:r>
-            <a:r>
-              <a:rPr lang="en-US" dirty="0">
-                <a:solidFill>
-                  <a:srgbClr val="000000"/>
-                </a:solidFill>
-                <a:latin typeface="Courier" pitchFamily="2" charset="0"/>
-              </a:rPr>
-              <a:t>min-e</a:t>
-            </a:r>
-            <a:r>
-              <a:rPr lang="en-US" dirty="0">
-                <a:solidFill>
-                  <a:srgbClr val="BBBBBB"/>
-                </a:solidFill>
-                <a:latin typeface="Courier" pitchFamily="2" charset="0"/>
-              </a:rPr>
-              <a:t>           </a:t>
-            </a:r>
-            <a:r>
-              <a:rPr lang="en-US" i="1" dirty="0">
-                <a:solidFill>
-                  <a:srgbClr val="408080"/>
-                </a:solidFill>
-                <a:latin typeface="Courier" pitchFamily="2" charset="0"/>
-              </a:rPr>
-              <a:t>;;minimum elevation</a:t>
-            </a:r>
-            <a:endParaRPr lang="en-US" dirty="0">
-              <a:solidFill>
-                <a:srgbClr val="408080"/>
-              </a:solidFill>
-              <a:latin typeface="Courier" pitchFamily="2" charset="0"/>
-            </a:endParaRPr>
-          </a:p>
-          <a:p>
-            <a:pPr marL="457200" lvl="1" indent="0">
-              <a:buNone/>
-            </a:pPr>
-            <a:r>
-              <a:rPr lang="en-US" dirty="0">
-                <a:solidFill>
-                  <a:srgbClr val="BBBBBB"/>
-                </a:solidFill>
-                <a:latin typeface="Courier" pitchFamily="2" charset="0"/>
-              </a:rPr>
-              <a:t>  </a:t>
-            </a:r>
-            <a:r>
-              <a:rPr lang="en-US" dirty="0">
-                <a:solidFill>
-                  <a:srgbClr val="000000"/>
-                </a:solidFill>
-                <a:latin typeface="Courier" pitchFamily="2" charset="0"/>
-              </a:rPr>
-              <a:t>max-e</a:t>
-            </a:r>
-            <a:r>
-              <a:rPr lang="en-US" dirty="0">
-                <a:solidFill>
-                  <a:srgbClr val="BBBBBB"/>
-                </a:solidFill>
-                <a:latin typeface="Courier" pitchFamily="2" charset="0"/>
-              </a:rPr>
-              <a:t>           </a:t>
-            </a:r>
-            <a:r>
-              <a:rPr lang="en-US" i="1" dirty="0">
-                <a:solidFill>
-                  <a:srgbClr val="408080"/>
-                </a:solidFill>
-                <a:latin typeface="Courier" pitchFamily="2" charset="0"/>
-              </a:rPr>
-              <a:t>;;maximum elevation</a:t>
-            </a:r>
-            <a:endParaRPr lang="en-US" dirty="0">
-              <a:solidFill>
-                <a:srgbClr val="408080"/>
-              </a:solidFill>
-              <a:latin typeface="Courier" pitchFamily="2" charset="0"/>
-            </a:endParaRPr>
-          </a:p>
-          <a:p>
-            <a:pPr marL="457200" lvl="1" indent="0">
-              <a:buNone/>
-            </a:pPr>
-            <a:r>
-              <a:rPr lang="en-US" dirty="0">
-                <a:solidFill>
-                  <a:srgbClr val="BBBBBB"/>
-                </a:solidFill>
-                <a:latin typeface="Courier" pitchFamily="2" charset="0"/>
-              </a:rPr>
-              <a:t>  </a:t>
-            </a:r>
-            <a:r>
-              <a:rPr lang="en-US" dirty="0">
-                <a:solidFill>
-                  <a:srgbClr val="000000"/>
-                </a:solidFill>
-                <a:latin typeface="Courier" pitchFamily="2" charset="0"/>
-              </a:rPr>
-              <a:t>the-row</a:t>
-            </a:r>
-            <a:r>
-              <a:rPr lang="en-US" dirty="0">
-                <a:solidFill>
-                  <a:srgbClr val="BBBBBB"/>
-                </a:solidFill>
-                <a:latin typeface="Courier" pitchFamily="2" charset="0"/>
-              </a:rPr>
-              <a:t>         </a:t>
-            </a:r>
-            <a:r>
-              <a:rPr lang="en-US" i="1" dirty="0">
-                <a:solidFill>
-                  <a:srgbClr val="408080"/>
-                </a:solidFill>
-                <a:latin typeface="Courier" pitchFamily="2" charset="0"/>
-              </a:rPr>
-              <a:t>;;used in export-data. it is the row being written</a:t>
-            </a:r>
-            <a:endParaRPr lang="en-US" dirty="0">
-              <a:solidFill>
-                <a:srgbClr val="408080"/>
-              </a:solidFill>
-              <a:latin typeface="Courier" pitchFamily="2" charset="0"/>
-            </a:endParaRPr>
-          </a:p>
-          <a:p>
-            <a:pPr marL="457200" lvl="1" indent="0">
-              <a:buNone/>
-            </a:pPr>
-            <a:r>
-              <a:rPr lang="en-US" dirty="0">
-                <a:solidFill>
-                  <a:srgbClr val="BBBBBB"/>
-                </a:solidFill>
-                <a:latin typeface="Courier" pitchFamily="2" charset="0"/>
-              </a:rPr>
-              <a:t>  </a:t>
-            </a:r>
-            <a:r>
-              <a:rPr lang="en-US" dirty="0" err="1">
-                <a:latin typeface="Courier" pitchFamily="2" charset="0"/>
-              </a:rPr>
-              <a:t>list_of_rain_amount</a:t>
-            </a:r>
-            <a:endParaRPr lang="en-US" dirty="0">
-              <a:latin typeface="Courier" pitchFamily="2" charset="0"/>
-            </a:endParaRPr>
-          </a:p>
-          <a:p>
-            <a:pPr marL="457200" lvl="1" indent="0">
-              <a:buNone/>
-            </a:pPr>
-            <a:r>
-              <a:rPr lang="en-US" b="1" dirty="0">
-                <a:solidFill>
-                  <a:srgbClr val="0000FF"/>
-                </a:solidFill>
-                <a:latin typeface="Courier" pitchFamily="2" charset="0"/>
-              </a:rPr>
-              <a:t>]</a:t>
-            </a:r>
-            <a:endParaRPr lang="en-US" dirty="0">
-              <a:solidFill>
-                <a:srgbClr val="0000FF"/>
-              </a:solidFill>
-              <a:latin typeface="Courier" pitchFamily="2" charset="0"/>
-            </a:endParaRPr>
-          </a:p>
-          <a:p>
-            <a:pPr marL="457200" lvl="1" indent="0">
-              <a:buNone/>
-            </a:pPr>
-            <a:br>
-              <a:rPr lang="en-US" dirty="0">
-                <a:solidFill>
-                  <a:srgbClr val="BBBBBB"/>
-                </a:solidFill>
-                <a:latin typeface="Courier" pitchFamily="2" charset="0"/>
-              </a:rPr>
-            </a:br>
-            <a:endParaRPr lang="en-US" dirty="0">
-              <a:solidFill>
-                <a:srgbClr val="BBBBBB"/>
-              </a:solidFill>
-              <a:latin typeface="Courier" pitchFamily="2" charset="0"/>
-            </a:endParaRPr>
-          </a:p>
-          <a:p>
-            <a:pPr marL="457200" lvl="1" indent="0">
-              <a:buNone/>
-            </a:pPr>
-            <a:r>
-              <a:rPr lang="en-US" b="1" dirty="0">
-                <a:solidFill>
-                  <a:srgbClr val="008000"/>
-                </a:solidFill>
-                <a:latin typeface="Courier" pitchFamily="2" charset="0"/>
-              </a:rPr>
-              <a:t>patches-own</a:t>
-            </a:r>
-            <a:r>
-              <a:rPr lang="en-US" dirty="0">
-                <a:solidFill>
-                  <a:srgbClr val="BBBBBB"/>
-                </a:solidFill>
-                <a:latin typeface="Courier" pitchFamily="2" charset="0"/>
-              </a:rPr>
-              <a:t> </a:t>
-            </a:r>
-            <a:r>
-              <a:rPr lang="en-US" b="1" dirty="0">
-                <a:solidFill>
-                  <a:srgbClr val="0000FF"/>
-                </a:solidFill>
-                <a:latin typeface="Courier" pitchFamily="2" charset="0"/>
-              </a:rPr>
-              <a:t>[</a:t>
-            </a:r>
-            <a:endParaRPr lang="en-US" dirty="0">
-              <a:solidFill>
-                <a:srgbClr val="008000"/>
-              </a:solidFill>
-              <a:latin typeface="Courier" pitchFamily="2" charset="0"/>
-            </a:endParaRPr>
-          </a:p>
-          <a:p>
-            <a:pPr marL="457200" lvl="1" indent="0">
-              <a:buNone/>
-            </a:pPr>
-            <a:r>
-              <a:rPr lang="en-US" dirty="0">
-                <a:solidFill>
-                  <a:srgbClr val="BBBBBB"/>
-                </a:solidFill>
-                <a:latin typeface="Courier" pitchFamily="2" charset="0"/>
-              </a:rPr>
-              <a:t>  </a:t>
-            </a:r>
-            <a:r>
-              <a:rPr lang="en-US" dirty="0">
-                <a:latin typeface="Courier" pitchFamily="2" charset="0"/>
-              </a:rPr>
-              <a:t>elevation</a:t>
-            </a:r>
-          </a:p>
-          <a:p>
-            <a:pPr marL="457200" lvl="1" indent="0">
-              <a:buNone/>
-            </a:pPr>
-            <a:r>
-              <a:rPr lang="en-US" dirty="0">
-                <a:solidFill>
-                  <a:srgbClr val="BBBBBB"/>
-                </a:solidFill>
-                <a:latin typeface="Courier" pitchFamily="2" charset="0"/>
-              </a:rPr>
-              <a:t>  </a:t>
-            </a:r>
-            <a:r>
-              <a:rPr lang="en-US" dirty="0" err="1">
-                <a:latin typeface="Courier" pitchFamily="2" charset="0"/>
-              </a:rPr>
-              <a:t>initial_elevation</a:t>
-            </a:r>
-            <a:endParaRPr lang="en-US" dirty="0">
-              <a:latin typeface="Courier" pitchFamily="2" charset="0"/>
-            </a:endParaRPr>
-          </a:p>
-          <a:p>
-            <a:pPr marL="457200" lvl="1" indent="0">
-              <a:buNone/>
-            </a:pPr>
-            <a:r>
-              <a:rPr lang="en-US" dirty="0">
-                <a:solidFill>
-                  <a:srgbClr val="BBBBBB"/>
-                </a:solidFill>
-                <a:latin typeface="Courier" pitchFamily="2" charset="0"/>
-              </a:rPr>
-              <a:t>  </a:t>
-            </a:r>
-            <a:r>
-              <a:rPr lang="en-US" dirty="0" err="1">
-                <a:latin typeface="Courier" pitchFamily="2" charset="0"/>
-              </a:rPr>
-              <a:t>elevation_change</a:t>
-            </a:r>
-            <a:endParaRPr lang="en-US" dirty="0">
-              <a:latin typeface="Courier" pitchFamily="2" charset="0"/>
-            </a:endParaRPr>
-          </a:p>
-          <a:p>
-            <a:pPr marL="457200" lvl="1" indent="0">
-              <a:buNone/>
-            </a:pPr>
-            <a:r>
-              <a:rPr lang="en-US" dirty="0">
-                <a:solidFill>
-                  <a:srgbClr val="BBBBBB"/>
-                </a:solidFill>
-                <a:latin typeface="Courier" pitchFamily="2" charset="0"/>
-              </a:rPr>
-              <a:t>  </a:t>
-            </a:r>
-            <a:r>
-              <a:rPr lang="en-US" dirty="0" err="1">
-                <a:solidFill>
-                  <a:srgbClr val="000000"/>
-                </a:solidFill>
-                <a:latin typeface="Courier" pitchFamily="2" charset="0"/>
-              </a:rPr>
-              <a:t>amount_rain</a:t>
-            </a:r>
-            <a:r>
-              <a:rPr lang="en-US" dirty="0">
-                <a:solidFill>
-                  <a:srgbClr val="BBBBBB"/>
-                </a:solidFill>
-                <a:latin typeface="Courier" pitchFamily="2" charset="0"/>
-              </a:rPr>
-              <a:t>   </a:t>
-            </a:r>
-            <a:r>
-              <a:rPr lang="en-US" i="1" dirty="0">
-                <a:solidFill>
-                  <a:srgbClr val="408080"/>
-                </a:solidFill>
-                <a:latin typeface="Courier" pitchFamily="2" charset="0"/>
-              </a:rPr>
-              <a:t>;;how many drops of rain here</a:t>
-            </a:r>
-            <a:endParaRPr lang="en-US" dirty="0">
-              <a:solidFill>
-                <a:srgbClr val="408080"/>
-              </a:solidFill>
-              <a:latin typeface="Courier" pitchFamily="2" charset="0"/>
-            </a:endParaRPr>
-          </a:p>
-          <a:p>
-            <a:pPr marL="457200" lvl="1" indent="0">
-              <a:buNone/>
-            </a:pPr>
-            <a:r>
-              <a:rPr lang="en-US" b="1" dirty="0">
-                <a:solidFill>
-                  <a:srgbClr val="0000FF"/>
-                </a:solidFill>
-                <a:latin typeface="Courier" pitchFamily="2" charset="0"/>
-              </a:rPr>
-              <a:t>]</a:t>
-            </a:r>
-            <a:endParaRPr lang="en-US" dirty="0">
-              <a:solidFill>
-                <a:srgbClr val="0000FF"/>
-              </a:solidFill>
-              <a:latin typeface="Courier" pitchFamily="2" charset="0"/>
-            </a:endParaRPr>
-          </a:p>
-          <a:p>
-            <a:pPr marL="0" indent="0">
-              <a:buNone/>
-            </a:pPr>
-            <a:endParaRPr lang="en-US" dirty="0"/>
-          </a:p>
-        </p:txBody>
-      </p:sp>
-    </p:spTree>
-    <p:extLst>
-      <p:ext uri="{BB962C8B-B14F-4D97-AF65-F5344CB8AC3E}">
-        <p14:creationId xmlns:p14="http://schemas.microsoft.com/office/powerpoint/2010/main" val="3178458998"/>
       </p:ext>
     </p:extLst>
   </p:cSld>
